--- a/Javascript/JavaScript.pptx
+++ b/Javascript/JavaScript.pptx
@@ -5,10 +5,10 @@
     <p:sldMasterId id="2147483660" r:id="rId4"/>
   </p:sldMasterIdLst>
   <p:notesMasterIdLst>
-    <p:notesMasterId r:id="rId26"/>
+    <p:notesMasterId r:id="rId23"/>
   </p:notesMasterIdLst>
   <p:handoutMasterIdLst>
-    <p:handoutMasterId r:id="rId27"/>
+    <p:handoutMasterId r:id="rId24"/>
   </p:handoutMasterIdLst>
   <p:sldIdLst>
     <p:sldId id="256" r:id="rId5"/>
@@ -20,18 +20,15 @@
     <p:sldId id="269" r:id="rId11"/>
     <p:sldId id="271" r:id="rId12"/>
     <p:sldId id="273" r:id="rId13"/>
-    <p:sldId id="274" r:id="rId14"/>
-    <p:sldId id="275" r:id="rId15"/>
-    <p:sldId id="276" r:id="rId16"/>
-    <p:sldId id="277" r:id="rId17"/>
-    <p:sldId id="278" r:id="rId18"/>
-    <p:sldId id="279" r:id="rId19"/>
-    <p:sldId id="280" r:id="rId20"/>
-    <p:sldId id="281" r:id="rId21"/>
-    <p:sldId id="283" r:id="rId22"/>
-    <p:sldId id="284" r:id="rId23"/>
-    <p:sldId id="286" r:id="rId24"/>
-    <p:sldId id="265" r:id="rId25"/>
+    <p:sldId id="275" r:id="rId14"/>
+    <p:sldId id="277" r:id="rId15"/>
+    <p:sldId id="278" r:id="rId16"/>
+    <p:sldId id="279" r:id="rId17"/>
+    <p:sldId id="281" r:id="rId18"/>
+    <p:sldId id="283" r:id="rId19"/>
+    <p:sldId id="284" r:id="rId20"/>
+    <p:sldId id="286" r:id="rId21"/>
+    <p:sldId id="265" r:id="rId22"/>
   </p:sldIdLst>
   <p:sldSz cx="12192000" cy="6858000"/>
   <p:notesSz cx="6858000" cy="9144000"/>
@@ -243,7 +240,7 @@
           <a:p>
             <a:fld id="{18E9A1B5-1BE4-4CD6-80C4-143959F034D3}" type="datetimeFigureOut">
               <a:rPr lang="en-US" smtClean="0"/>
-              <a:t>8/31/2020</a:t>
+              <a:t>9/23/2022</a:t>
             </a:fld>
             <a:endParaRPr lang="en-US" dirty="0"/>
           </a:p>
@@ -420,7 +417,7 @@
           <a:p>
             <a:fld id="{D8E6120A-21AF-4F12-ABAA-66A70823631B}" type="datetimeFigureOut">
               <a:rPr lang="en-US" smtClean="0"/>
-              <a:t>8/31/2020</a:t>
+              <a:t>9/23/2022</a:t>
             </a:fld>
             <a:endParaRPr lang="en-US" dirty="0"/>
           </a:p>
@@ -885,7 +882,7 @@
     </p:spTree>
     <p:extLst>
       <p:ext uri="{BB962C8B-B14F-4D97-AF65-F5344CB8AC3E}">
-        <p14:creationId xmlns:p14="http://schemas.microsoft.com/office/powerpoint/2010/main" val="457303676"/>
+        <p14:creationId xmlns:p14="http://schemas.microsoft.com/office/powerpoint/2010/main" val="2366156927"/>
       </p:ext>
     </p:extLst>
   </p:cSld>
@@ -976,7 +973,7 @@
     </p:spTree>
     <p:extLst>
       <p:ext uri="{BB962C8B-B14F-4D97-AF65-F5344CB8AC3E}">
-        <p14:creationId xmlns:p14="http://schemas.microsoft.com/office/powerpoint/2010/main" val="1518788506"/>
+        <p14:creationId xmlns:p14="http://schemas.microsoft.com/office/powerpoint/2010/main" val="4133369805"/>
       </p:ext>
     </p:extLst>
   </p:cSld>
@@ -1067,7 +1064,7 @@
     </p:spTree>
     <p:extLst>
       <p:ext uri="{BB962C8B-B14F-4D97-AF65-F5344CB8AC3E}">
-        <p14:creationId xmlns:p14="http://schemas.microsoft.com/office/powerpoint/2010/main" val="2366156927"/>
+        <p14:creationId xmlns:p14="http://schemas.microsoft.com/office/powerpoint/2010/main" val="3508268682"/>
       </p:ext>
     </p:extLst>
   </p:cSld>
@@ -1158,7 +1155,7 @@
     </p:spTree>
     <p:extLst>
       <p:ext uri="{BB962C8B-B14F-4D97-AF65-F5344CB8AC3E}">
-        <p14:creationId xmlns:p14="http://schemas.microsoft.com/office/powerpoint/2010/main" val="1809868886"/>
+        <p14:creationId xmlns:p14="http://schemas.microsoft.com/office/powerpoint/2010/main" val="4233377174"/>
       </p:ext>
     </p:extLst>
   </p:cSld>
@@ -1241,279 +1238,6 @@
             <a:fld id="{998C672F-171E-46DC-915C-C7BCF99F5C42}" type="slidenum">
               <a:rPr lang="en-US" smtClean="0"/>
               <a:t>17</a:t>
-            </a:fld>
-            <a:endParaRPr lang="en-US" dirty="0"/>
-          </a:p>
-        </p:txBody>
-      </p:sp>
-    </p:spTree>
-    <p:extLst>
-      <p:ext uri="{BB962C8B-B14F-4D97-AF65-F5344CB8AC3E}">
-        <p14:creationId xmlns:p14="http://schemas.microsoft.com/office/powerpoint/2010/main" val="4133369805"/>
-      </p:ext>
-    </p:extLst>
-  </p:cSld>
-  <p:clrMapOvr>
-    <a:masterClrMapping/>
-  </p:clrMapOvr>
-</p:notes>
-</file>
-
-<file path=ppt/notesSlides/notesSlide15.xml><?xml version="1.0" encoding="utf-8"?>
-<p:notes xmlns:a="http://schemas.openxmlformats.org/drawingml/2006/main" xmlns:r="http://schemas.openxmlformats.org/officeDocument/2006/relationships" xmlns:p="http://schemas.openxmlformats.org/presentationml/2006/main">
-  <p:cSld>
-    <p:spTree>
-      <p:nvGrpSpPr>
-        <p:cNvPr id="1" name=""/>
-        <p:cNvGrpSpPr/>
-        <p:nvPr/>
-      </p:nvGrpSpPr>
-      <p:grpSpPr>
-        <a:xfrm>
-          <a:off x="0" y="0"/>
-          <a:ext cx="0" cy="0"/>
-          <a:chOff x="0" y="0"/>
-          <a:chExt cx="0" cy="0"/>
-        </a:xfrm>
-      </p:grpSpPr>
-      <p:sp>
-        <p:nvSpPr>
-          <p:cNvPr id="2" name="Slide Image Placeholder 1"/>
-          <p:cNvSpPr>
-            <a:spLocks noGrp="1" noRot="1" noChangeAspect="1"/>
-          </p:cNvSpPr>
-          <p:nvPr>
-            <p:ph type="sldImg"/>
-          </p:nvPr>
-        </p:nvSpPr>
-        <p:spPr/>
-      </p:sp>
-      <p:sp>
-        <p:nvSpPr>
-          <p:cNvPr id="3" name="Notes Placeholder 2"/>
-          <p:cNvSpPr>
-            <a:spLocks noGrp="1"/>
-          </p:cNvSpPr>
-          <p:nvPr>
-            <p:ph type="body" idx="1"/>
-          </p:nvPr>
-        </p:nvSpPr>
-        <p:spPr/>
-        <p:txBody>
-          <a:bodyPr/>
-          <a:lstStyle/>
-          <a:p>
-            <a:pPr marL="171450" indent="-171450">
-              <a:buFont typeface="Arial" panose="020B0604020202020204" pitchFamily="34" charset="0"/>
-              <a:buChar char="•"/>
-            </a:pPr>
-            <a:r>
-              <a:rPr lang="sv-SE" dirty="0"/>
-              <a:t>Ibland måste vi utföra olika åtgärder baserade på olika förhållanden.</a:t>
-            </a:r>
-          </a:p>
-        </p:txBody>
-      </p:sp>
-      <p:sp>
-        <p:nvSpPr>
-          <p:cNvPr id="4" name="Slide Number Placeholder 3"/>
-          <p:cNvSpPr>
-            <a:spLocks noGrp="1"/>
-          </p:cNvSpPr>
-          <p:nvPr>
-            <p:ph type="sldNum" sz="quarter" idx="5"/>
-          </p:nvPr>
-        </p:nvSpPr>
-        <p:spPr/>
-        <p:txBody>
-          <a:bodyPr/>
-          <a:lstStyle/>
-          <a:p>
-            <a:fld id="{998C672F-171E-46DC-915C-C7BCF99F5C42}" type="slidenum">
-              <a:rPr lang="en-US" smtClean="0"/>
-              <a:t>18</a:t>
-            </a:fld>
-            <a:endParaRPr lang="en-US" dirty="0"/>
-          </a:p>
-        </p:txBody>
-      </p:sp>
-    </p:spTree>
-    <p:extLst>
-      <p:ext uri="{BB962C8B-B14F-4D97-AF65-F5344CB8AC3E}">
-        <p14:creationId xmlns:p14="http://schemas.microsoft.com/office/powerpoint/2010/main" val="3508268682"/>
-      </p:ext>
-    </p:extLst>
-  </p:cSld>
-  <p:clrMapOvr>
-    <a:masterClrMapping/>
-  </p:clrMapOvr>
-</p:notes>
-</file>
-
-<file path=ppt/notesSlides/notesSlide16.xml><?xml version="1.0" encoding="utf-8"?>
-<p:notes xmlns:a="http://schemas.openxmlformats.org/drawingml/2006/main" xmlns:r="http://schemas.openxmlformats.org/officeDocument/2006/relationships" xmlns:p="http://schemas.openxmlformats.org/presentationml/2006/main">
-  <p:cSld>
-    <p:spTree>
-      <p:nvGrpSpPr>
-        <p:cNvPr id="1" name=""/>
-        <p:cNvGrpSpPr/>
-        <p:nvPr/>
-      </p:nvGrpSpPr>
-      <p:grpSpPr>
-        <a:xfrm>
-          <a:off x="0" y="0"/>
-          <a:ext cx="0" cy="0"/>
-          <a:chOff x="0" y="0"/>
-          <a:chExt cx="0" cy="0"/>
-        </a:xfrm>
-      </p:grpSpPr>
-      <p:sp>
-        <p:nvSpPr>
-          <p:cNvPr id="2" name="Slide Image Placeholder 1"/>
-          <p:cNvSpPr>
-            <a:spLocks noGrp="1" noRot="1" noChangeAspect="1"/>
-          </p:cNvSpPr>
-          <p:nvPr>
-            <p:ph type="sldImg"/>
-          </p:nvPr>
-        </p:nvSpPr>
-        <p:spPr/>
-      </p:sp>
-      <p:sp>
-        <p:nvSpPr>
-          <p:cNvPr id="3" name="Notes Placeholder 2"/>
-          <p:cNvSpPr>
-            <a:spLocks noGrp="1"/>
-          </p:cNvSpPr>
-          <p:nvPr>
-            <p:ph type="body" idx="1"/>
-          </p:nvPr>
-        </p:nvSpPr>
-        <p:spPr/>
-        <p:txBody>
-          <a:bodyPr/>
-          <a:lstStyle/>
-          <a:p>
-            <a:pPr marL="171450" indent="-171450">
-              <a:buFont typeface="Arial" panose="020B0604020202020204" pitchFamily="34" charset="0"/>
-              <a:buChar char="•"/>
-            </a:pPr>
-            <a:r>
-              <a:rPr lang="sv-SE" dirty="0"/>
-              <a:t>Ibland måste vi utföra olika åtgärder baserade på olika förhållanden.</a:t>
-            </a:r>
-          </a:p>
-        </p:txBody>
-      </p:sp>
-      <p:sp>
-        <p:nvSpPr>
-          <p:cNvPr id="4" name="Slide Number Placeholder 3"/>
-          <p:cNvSpPr>
-            <a:spLocks noGrp="1"/>
-          </p:cNvSpPr>
-          <p:nvPr>
-            <p:ph type="sldNum" sz="quarter" idx="5"/>
-          </p:nvPr>
-        </p:nvSpPr>
-        <p:spPr/>
-        <p:txBody>
-          <a:bodyPr/>
-          <a:lstStyle/>
-          <a:p>
-            <a:fld id="{998C672F-171E-46DC-915C-C7BCF99F5C42}" type="slidenum">
-              <a:rPr lang="en-US" smtClean="0"/>
-              <a:t>19</a:t>
-            </a:fld>
-            <a:endParaRPr lang="en-US" dirty="0"/>
-          </a:p>
-        </p:txBody>
-      </p:sp>
-    </p:spTree>
-    <p:extLst>
-      <p:ext uri="{BB962C8B-B14F-4D97-AF65-F5344CB8AC3E}">
-        <p14:creationId xmlns:p14="http://schemas.microsoft.com/office/powerpoint/2010/main" val="4233377174"/>
-      </p:ext>
-    </p:extLst>
-  </p:cSld>
-  <p:clrMapOvr>
-    <a:masterClrMapping/>
-  </p:clrMapOvr>
-</p:notes>
-</file>
-
-<file path=ppt/notesSlides/notesSlide17.xml><?xml version="1.0" encoding="utf-8"?>
-<p:notes xmlns:a="http://schemas.openxmlformats.org/drawingml/2006/main" xmlns:r="http://schemas.openxmlformats.org/officeDocument/2006/relationships" xmlns:p="http://schemas.openxmlformats.org/presentationml/2006/main">
-  <p:cSld>
-    <p:spTree>
-      <p:nvGrpSpPr>
-        <p:cNvPr id="1" name=""/>
-        <p:cNvGrpSpPr/>
-        <p:nvPr/>
-      </p:nvGrpSpPr>
-      <p:grpSpPr>
-        <a:xfrm>
-          <a:off x="0" y="0"/>
-          <a:ext cx="0" cy="0"/>
-          <a:chOff x="0" y="0"/>
-          <a:chExt cx="0" cy="0"/>
-        </a:xfrm>
-      </p:grpSpPr>
-      <p:sp>
-        <p:nvSpPr>
-          <p:cNvPr id="2" name="Slide Image Placeholder 1"/>
-          <p:cNvSpPr>
-            <a:spLocks noGrp="1" noRot="1" noChangeAspect="1"/>
-          </p:cNvSpPr>
-          <p:nvPr>
-            <p:ph type="sldImg"/>
-          </p:nvPr>
-        </p:nvSpPr>
-        <p:spPr/>
-      </p:sp>
-      <p:sp>
-        <p:nvSpPr>
-          <p:cNvPr id="3" name="Notes Placeholder 2"/>
-          <p:cNvSpPr>
-            <a:spLocks noGrp="1"/>
-          </p:cNvSpPr>
-          <p:nvPr>
-            <p:ph type="body" idx="1"/>
-          </p:nvPr>
-        </p:nvSpPr>
-        <p:spPr/>
-        <p:txBody>
-          <a:bodyPr/>
-          <a:lstStyle/>
-          <a:p>
-            <a:pPr marL="171450" indent="-171450">
-              <a:buFont typeface="Arial" panose="020B0604020202020204" pitchFamily="34" charset="0"/>
-              <a:buChar char="•"/>
-            </a:pPr>
-            <a:r>
-              <a:rPr lang="sv-SE" dirty="0"/>
-              <a:t>Ibland måste vi utföra olika åtgärder baserade på olika förhållanden.</a:t>
-            </a:r>
-          </a:p>
-        </p:txBody>
-      </p:sp>
-      <p:sp>
-        <p:nvSpPr>
-          <p:cNvPr id="4" name="Slide Number Placeholder 3"/>
-          <p:cNvSpPr>
-            <a:spLocks noGrp="1"/>
-          </p:cNvSpPr>
-          <p:nvPr>
-            <p:ph type="sldNum" sz="quarter" idx="5"/>
-          </p:nvPr>
-        </p:nvSpPr>
-        <p:spPr/>
-        <p:txBody>
-          <a:bodyPr/>
-          <a:lstStyle/>
-          <a:p>
-            <a:fld id="{998C672F-171E-46DC-915C-C7BCF99F5C42}" type="slidenum">
-              <a:rPr lang="en-US" smtClean="0"/>
-              <a:t>20</a:t>
             </a:fld>
             <a:endParaRPr lang="en-US" dirty="0"/>
           </a:p>
@@ -2146,7 +1870,7 @@
     </p:spTree>
     <p:extLst>
       <p:ext uri="{BB962C8B-B14F-4D97-AF65-F5344CB8AC3E}">
-        <p14:creationId xmlns:p14="http://schemas.microsoft.com/office/powerpoint/2010/main" val="1557351756"/>
+        <p14:creationId xmlns:p14="http://schemas.microsoft.com/office/powerpoint/2010/main" val="3190761090"/>
       </p:ext>
     </p:extLst>
   </p:cSld>
@@ -2237,7 +1961,7 @@
     </p:spTree>
     <p:extLst>
       <p:ext uri="{BB962C8B-B14F-4D97-AF65-F5344CB8AC3E}">
-        <p14:creationId xmlns:p14="http://schemas.microsoft.com/office/powerpoint/2010/main" val="3190761090"/>
+        <p14:creationId xmlns:p14="http://schemas.microsoft.com/office/powerpoint/2010/main" val="457303676"/>
       </p:ext>
     </p:extLst>
   </p:cSld>
@@ -2328,7 +2052,7 @@
     </p:spTree>
     <p:extLst>
       <p:ext uri="{BB962C8B-B14F-4D97-AF65-F5344CB8AC3E}">
-        <p14:creationId xmlns:p14="http://schemas.microsoft.com/office/powerpoint/2010/main" val="3141214108"/>
+        <p14:creationId xmlns:p14="http://schemas.microsoft.com/office/powerpoint/2010/main" val="1518788506"/>
       </p:ext>
     </p:extLst>
   </p:cSld>
@@ -3549,7 +3273,7 @@
           <a:p>
             <a:fld id="{EF63B152-7103-4FFE-90AC-D94EB7F44A7E}" type="datetimeFigureOut">
               <a:rPr lang="en-US" smtClean="0"/>
-              <a:t>8/31/2020</a:t>
+              <a:t>9/23/2022</a:t>
             </a:fld>
             <a:endParaRPr lang="en-US" dirty="0"/>
           </a:p>
@@ -3787,7 +3511,7 @@
           <a:p>
             <a:fld id="{EF63B152-7103-4FFE-90AC-D94EB7F44A7E}" type="datetimeFigureOut">
               <a:rPr lang="en-US" smtClean="0"/>
-              <a:t>8/31/2020</a:t>
+              <a:t>9/23/2022</a:t>
             </a:fld>
             <a:endParaRPr lang="en-US" dirty="0"/>
           </a:p>
@@ -3967,7 +3691,7 @@
           <a:p>
             <a:fld id="{EF63B152-7103-4FFE-90AC-D94EB7F44A7E}" type="datetimeFigureOut">
               <a:rPr lang="en-US" smtClean="0"/>
-              <a:t>8/31/2020</a:t>
+              <a:t>9/23/2022</a:t>
             </a:fld>
             <a:endParaRPr lang="en-US" dirty="0"/>
           </a:p>
@@ -4137,7 +3861,7 @@
           <a:p>
             <a:fld id="{EF63B152-7103-4FFE-90AC-D94EB7F44A7E}" type="datetimeFigureOut">
               <a:rPr lang="en-US" smtClean="0"/>
-              <a:t>8/31/2020</a:t>
+              <a:t>9/23/2022</a:t>
             </a:fld>
             <a:endParaRPr lang="en-US" dirty="0"/>
           </a:p>
@@ -4413,7 +4137,7 @@
           <a:p>
             <a:fld id="{EF63B152-7103-4FFE-90AC-D94EB7F44A7E}" type="datetimeFigureOut">
               <a:rPr lang="en-US" smtClean="0"/>
-              <a:t>8/31/2020</a:t>
+              <a:t>9/23/2022</a:t>
             </a:fld>
             <a:endParaRPr lang="en-US" dirty="0"/>
           </a:p>
@@ -5614,7 +5338,7 @@
           <a:p>
             <a:fld id="{EF63B152-7103-4FFE-90AC-D94EB7F44A7E}" type="datetimeFigureOut">
               <a:rPr lang="en-US" smtClean="0"/>
-              <a:t>8/31/2020</a:t>
+              <a:t>9/23/2022</a:t>
             </a:fld>
             <a:endParaRPr lang="en-US" dirty="0"/>
           </a:p>
@@ -6004,7 +5728,7 @@
           <a:p>
             <a:fld id="{EF63B152-7103-4FFE-90AC-D94EB7F44A7E}" type="datetimeFigureOut">
               <a:rPr lang="en-US" smtClean="0"/>
-              <a:t>8/31/2020</a:t>
+              <a:t>9/23/2022</a:t>
             </a:fld>
             <a:endParaRPr lang="en-US" dirty="0"/>
           </a:p>
@@ -6127,7 +5851,7 @@
           <a:p>
             <a:fld id="{EF63B152-7103-4FFE-90AC-D94EB7F44A7E}" type="datetimeFigureOut">
               <a:rPr lang="en-US" smtClean="0"/>
-              <a:t>8/31/2020</a:t>
+              <a:t>9/23/2022</a:t>
             </a:fld>
             <a:endParaRPr lang="en-US" dirty="0"/>
           </a:p>
@@ -6222,7 +5946,7 @@
           <a:p>
             <a:fld id="{EF63B152-7103-4FFE-90AC-D94EB7F44A7E}" type="datetimeFigureOut">
               <a:rPr lang="en-US" smtClean="0"/>
-              <a:t>8/31/2020</a:t>
+              <a:t>9/23/2022</a:t>
             </a:fld>
             <a:endParaRPr lang="en-US" dirty="0"/>
           </a:p>
@@ -6985,7 +6709,7 @@
           <a:p>
             <a:fld id="{EF63B152-7103-4FFE-90AC-D94EB7F44A7E}" type="datetimeFigureOut">
               <a:rPr lang="en-US" smtClean="0"/>
-              <a:t>8/31/2020</a:t>
+              <a:t>9/23/2022</a:t>
             </a:fld>
             <a:endParaRPr lang="en-US" dirty="0"/>
           </a:p>
@@ -7825,7 +7549,7 @@
           <a:p>
             <a:fld id="{EF63B152-7103-4FFE-90AC-D94EB7F44A7E}" type="datetimeFigureOut">
               <a:rPr lang="en-US" smtClean="0"/>
-              <a:t>8/31/2020</a:t>
+              <a:t>9/23/2022</a:t>
             </a:fld>
             <a:endParaRPr lang="en-US" dirty="0"/>
           </a:p>
@@ -8052,7 +7776,7 @@
           <a:p>
             <a:fld id="{EF63B152-7103-4FFE-90AC-D94EB7F44A7E}" type="datetimeFigureOut">
               <a:rPr lang="en-US" smtClean="0"/>
-              <a:t>8/31/2020</a:t>
+              <a:t>9/23/2022</a:t>
             </a:fld>
             <a:endParaRPr lang="en-US" dirty="0"/>
           </a:p>
@@ -9127,7 +8851,21 @@
                 <a:latin typeface="Times New Roman" panose="02020603050405020304" pitchFamily="18" charset="0"/>
                 <a:cs typeface="Times New Roman" panose="02020603050405020304" pitchFamily="18" charset="0"/>
               </a:rPr>
-              <a:t> 1 – Jeton Mustini</a:t>
+              <a:t> </a:t>
+            </a:r>
+            <a:r>
+              <a:rPr lang="en-US" sz="2800" dirty="0" err="1">
+                <a:latin typeface="Times New Roman" panose="02020603050405020304" pitchFamily="18" charset="0"/>
+                <a:cs typeface="Times New Roman" panose="02020603050405020304" pitchFamily="18" charset="0"/>
+              </a:rPr>
+              <a:t>Produktion</a:t>
+            </a:r>
+            <a:r>
+              <a:rPr lang="en-US" sz="2800" dirty="0">
+                <a:latin typeface="Times New Roman" panose="02020603050405020304" pitchFamily="18" charset="0"/>
+                <a:cs typeface="Times New Roman" panose="02020603050405020304" pitchFamily="18" charset="0"/>
+              </a:rPr>
+              <a:t> – Jeton Mustini</a:t>
             </a:r>
           </a:p>
         </p:txBody>
@@ -9146,370 +8884,6 @@
 </file>
 
 <file path=ppt/slides/slide10.xml><?xml version="1.0" encoding="utf-8"?>
-<p:sld xmlns:a="http://schemas.openxmlformats.org/drawingml/2006/main" xmlns:r="http://schemas.openxmlformats.org/officeDocument/2006/relationships" xmlns:p="http://schemas.openxmlformats.org/presentationml/2006/main">
-  <p:cSld>
-    <p:spTree>
-      <p:nvGrpSpPr>
-        <p:cNvPr id="1" name=""/>
-        <p:cNvGrpSpPr/>
-        <p:nvPr/>
-      </p:nvGrpSpPr>
-      <p:grpSpPr>
-        <a:xfrm>
-          <a:off x="0" y="0"/>
-          <a:ext cx="0" cy="0"/>
-          <a:chOff x="0" y="0"/>
-          <a:chExt cx="0" cy="0"/>
-        </a:xfrm>
-      </p:grpSpPr>
-      <p:sp>
-        <p:nvSpPr>
-          <p:cNvPr id="2" name="Title 1">
-            <a:extLst>
-              <a:ext uri="{FF2B5EF4-FFF2-40B4-BE49-F238E27FC236}">
-                <a16:creationId xmlns:a16="http://schemas.microsoft.com/office/drawing/2014/main" id="{8EDAE078-3CB3-4D1F-8E4E-75C6D5DA8D1A}"/>
-              </a:ext>
-            </a:extLst>
-          </p:cNvPr>
-          <p:cNvSpPr>
-            <a:spLocks noGrp="1"/>
-          </p:cNvSpPr>
-          <p:nvPr>
-            <p:ph type="title"/>
-          </p:nvPr>
-        </p:nvSpPr>
-        <p:spPr>
-          <a:xfrm>
-            <a:off x="1203434" y="83247"/>
-            <a:ext cx="10893973" cy="596023"/>
-          </a:xfrm>
-        </p:spPr>
-        <p:txBody>
-          <a:bodyPr>
-            <a:normAutofit fontScale="90000"/>
-          </a:bodyPr>
-          <a:lstStyle/>
-          <a:p>
-            <a:r>
-              <a:rPr lang="en-US" sz="4000" dirty="0" err="1">
-                <a:latin typeface="Bodoni MT" panose="02070603080606020203" pitchFamily="18" charset="0"/>
-              </a:rPr>
-              <a:t>Loopar</a:t>
-            </a:r>
-            <a:r>
-              <a:rPr lang="en-US" sz="4000" dirty="0">
-                <a:latin typeface="Bodoni MT" panose="02070603080606020203" pitchFamily="18" charset="0"/>
-              </a:rPr>
-              <a:t>: while</a:t>
-            </a:r>
-          </a:p>
-        </p:txBody>
-      </p:sp>
-      <p:sp>
-        <p:nvSpPr>
-          <p:cNvPr id="5" name="Content Placeholder 4">
-            <a:extLst>
-              <a:ext uri="{FF2B5EF4-FFF2-40B4-BE49-F238E27FC236}">
-                <a16:creationId xmlns:a16="http://schemas.microsoft.com/office/drawing/2014/main" id="{BFC6430F-1FDE-4D8C-8C11-DD7124791905}"/>
-              </a:ext>
-            </a:extLst>
-          </p:cNvPr>
-          <p:cNvSpPr>
-            <a:spLocks noGrp="1"/>
-          </p:cNvSpPr>
-          <p:nvPr>
-            <p:ph idx="1"/>
-          </p:nvPr>
-        </p:nvSpPr>
-        <p:spPr>
-          <a:xfrm>
-            <a:off x="1203434" y="679270"/>
-            <a:ext cx="10178322" cy="5975366"/>
-          </a:xfrm>
-        </p:spPr>
-        <p:txBody>
-          <a:bodyPr>
-            <a:normAutofit/>
-          </a:bodyPr>
-          <a:lstStyle/>
-          <a:p>
-            <a:r>
-              <a:rPr lang="sv-SE" dirty="0"/>
-              <a:t>Vi behöver ofta upprepa saker, till exempel mata ut varor från en lista efter varandra eller bara köra samma kod för varje nummer från 1 till 10.</a:t>
-            </a:r>
-          </a:p>
-          <a:p>
-            <a:r>
-              <a:rPr lang="sv-SE" dirty="0"/>
-              <a:t>Loopar är ett sätt att upprepa samma kod flera gånger.</a:t>
-            </a:r>
-          </a:p>
-          <a:p>
-            <a:r>
-              <a:rPr lang="sv-SE" dirty="0" err="1"/>
-              <a:t>While</a:t>
-            </a:r>
-            <a:r>
-              <a:rPr lang="sv-SE" dirty="0"/>
-              <a:t>-loopen</a:t>
-            </a:r>
-          </a:p>
-          <a:p>
-            <a:pPr lvl="1"/>
-            <a:r>
-              <a:rPr lang="sv-SE" dirty="0"/>
-              <a:t>Har följande syntax:</a:t>
-            </a:r>
-          </a:p>
-          <a:p>
-            <a:pPr lvl="1"/>
-            <a:endParaRPr lang="sv-SE" dirty="0"/>
-          </a:p>
-          <a:p>
-            <a:pPr lvl="1"/>
-            <a:r>
-              <a:rPr lang="sv-SE" dirty="0"/>
-              <a:t>Om villkoret är sant körs kodblocket.</a:t>
-            </a:r>
-          </a:p>
-          <a:p>
-            <a:pPr lvl="1"/>
-            <a:r>
-              <a:rPr lang="sv-SE" dirty="0"/>
-              <a:t>Till exempel skriver följande </a:t>
-            </a:r>
-            <a:r>
-              <a:rPr lang="sv-SE" dirty="0" err="1"/>
-              <a:t>while</a:t>
-            </a:r>
-            <a:r>
-              <a:rPr lang="sv-SE" dirty="0"/>
-              <a:t>-loop </a:t>
-            </a:r>
-            <a:r>
-              <a:rPr lang="sv-SE" dirty="0">
-                <a:solidFill>
-                  <a:schemeClr val="tx2">
-                    <a:lumMod val="75000"/>
-                    <a:lumOff val="25000"/>
-                  </a:schemeClr>
-                </a:solidFill>
-              </a:rPr>
-              <a:t>i</a:t>
-            </a:r>
-            <a:r>
-              <a:rPr lang="sv-SE" dirty="0"/>
-              <a:t> medan </a:t>
-            </a:r>
-            <a:r>
-              <a:rPr lang="sv-SE" dirty="0">
-                <a:solidFill>
-                  <a:schemeClr val="tx2">
-                    <a:lumMod val="75000"/>
-                    <a:lumOff val="25000"/>
-                  </a:schemeClr>
-                </a:solidFill>
-              </a:rPr>
-              <a:t>i &lt; 3</a:t>
-            </a:r>
-            <a:r>
-              <a:rPr lang="sv-SE" dirty="0"/>
-              <a:t>.</a:t>
-            </a:r>
-          </a:p>
-          <a:p>
-            <a:pPr lvl="1"/>
-            <a:r>
-              <a:rPr lang="sv-SE" dirty="0"/>
-              <a:t>En enda exekvering av loopen kallas en iteration. Loopen</a:t>
-            </a:r>
-            <a:br>
-              <a:rPr lang="sv-SE" dirty="0"/>
-            </a:br>
-            <a:r>
-              <a:rPr lang="sv-SE" dirty="0"/>
-              <a:t>gör tre iterationer. Om </a:t>
-            </a:r>
-            <a:r>
-              <a:rPr lang="sv-SE" dirty="0">
-                <a:solidFill>
-                  <a:schemeClr val="tx2">
-                    <a:lumMod val="75000"/>
-                    <a:lumOff val="25000"/>
-                  </a:schemeClr>
-                </a:solidFill>
-              </a:rPr>
-              <a:t>i++ </a:t>
-            </a:r>
-            <a:r>
-              <a:rPr lang="sv-SE" dirty="0"/>
-              <a:t>saknades skulle loopen</a:t>
-            </a:r>
-            <a:br>
-              <a:rPr lang="sv-SE" dirty="0"/>
-            </a:br>
-            <a:r>
-              <a:rPr lang="sv-SE" dirty="0"/>
-              <a:t>upprepa (i teorin) för alltid.</a:t>
-            </a:r>
-          </a:p>
-          <a:p>
-            <a:r>
-              <a:rPr lang="sv-SE" dirty="0"/>
-              <a:t>Do-</a:t>
-            </a:r>
-            <a:r>
-              <a:rPr lang="sv-SE" dirty="0" err="1"/>
-              <a:t>While</a:t>
-            </a:r>
-            <a:r>
-              <a:rPr lang="sv-SE" dirty="0"/>
-              <a:t>-loopen</a:t>
-            </a:r>
-          </a:p>
-          <a:p>
-            <a:pPr lvl="1"/>
-            <a:r>
-              <a:rPr lang="sv-SE" dirty="0"/>
-              <a:t>Villkoret kan flyttas under kodblocket om man vill köra det innan man kollar villkoret:</a:t>
-            </a:r>
-          </a:p>
-        </p:txBody>
-      </p:sp>
-      <p:pic>
-        <p:nvPicPr>
-          <p:cNvPr id="3" name="Picture 2">
-            <a:extLst>
-              <a:ext uri="{FF2B5EF4-FFF2-40B4-BE49-F238E27FC236}">
-                <a16:creationId xmlns:a16="http://schemas.microsoft.com/office/drawing/2014/main" id="{824D352B-E199-4BB6-BC7E-F56B4E911E52}"/>
-              </a:ext>
-            </a:extLst>
-          </p:cNvPr>
-          <p:cNvPicPr>
-            <a:picLocks noChangeAspect="1"/>
-          </p:cNvPicPr>
-          <p:nvPr/>
-        </p:nvPicPr>
-        <p:blipFill>
-          <a:blip r:embed="rId3"/>
-          <a:stretch>
-            <a:fillRect/>
-          </a:stretch>
-        </p:blipFill>
-        <p:spPr>
-          <a:xfrm>
-            <a:off x="4249654" y="2079959"/>
-            <a:ext cx="3371850" cy="933450"/>
-          </a:xfrm>
-          <a:prstGeom prst="rect">
-            <a:avLst/>
-          </a:prstGeom>
-        </p:spPr>
-      </p:pic>
-      <p:pic>
-        <p:nvPicPr>
-          <p:cNvPr id="8" name="Picture 7">
-            <a:extLst>
-              <a:ext uri="{FF2B5EF4-FFF2-40B4-BE49-F238E27FC236}">
-                <a16:creationId xmlns:a16="http://schemas.microsoft.com/office/drawing/2014/main" id="{2B2D2EF4-3624-4D38-A9FD-27367FB668B3}"/>
-              </a:ext>
-            </a:extLst>
-          </p:cNvPr>
-          <p:cNvPicPr>
-            <a:picLocks noChangeAspect="1"/>
-          </p:cNvPicPr>
-          <p:nvPr/>
-        </p:nvPicPr>
-        <p:blipFill>
-          <a:blip r:embed="rId4"/>
-          <a:stretch>
-            <a:fillRect/>
-          </a:stretch>
-        </p:blipFill>
-        <p:spPr>
-          <a:xfrm>
-            <a:off x="7473115" y="3311192"/>
-            <a:ext cx="3790950" cy="1066800"/>
-          </a:xfrm>
-          <a:prstGeom prst="rect">
-            <a:avLst/>
-          </a:prstGeom>
-        </p:spPr>
-      </p:pic>
-      <p:pic>
-        <p:nvPicPr>
-          <p:cNvPr id="10" name="Picture 9">
-            <a:extLst>
-              <a:ext uri="{FF2B5EF4-FFF2-40B4-BE49-F238E27FC236}">
-                <a16:creationId xmlns:a16="http://schemas.microsoft.com/office/drawing/2014/main" id="{55414650-1481-4CEE-BAA8-F26E2C1337F4}"/>
-              </a:ext>
-            </a:extLst>
-          </p:cNvPr>
-          <p:cNvPicPr>
-            <a:picLocks noChangeAspect="1"/>
-          </p:cNvPicPr>
-          <p:nvPr/>
-        </p:nvPicPr>
-        <p:blipFill>
-          <a:blip r:embed="rId5"/>
-          <a:stretch>
-            <a:fillRect/>
-          </a:stretch>
-        </p:blipFill>
-        <p:spPr>
-          <a:xfrm>
-            <a:off x="1680160" y="5987886"/>
-            <a:ext cx="3762375" cy="666750"/>
-          </a:xfrm>
-          <a:prstGeom prst="rect">
-            <a:avLst/>
-          </a:prstGeom>
-        </p:spPr>
-      </p:pic>
-      <p:pic>
-        <p:nvPicPr>
-          <p:cNvPr id="11" name="Picture 10">
-            <a:extLst>
-              <a:ext uri="{FF2B5EF4-FFF2-40B4-BE49-F238E27FC236}">
-                <a16:creationId xmlns:a16="http://schemas.microsoft.com/office/drawing/2014/main" id="{A97AA426-7E70-4F68-9136-A32CC3124FBB}"/>
-              </a:ext>
-            </a:extLst>
-          </p:cNvPr>
-          <p:cNvPicPr>
-            <a:picLocks noChangeAspect="1"/>
-          </p:cNvPicPr>
-          <p:nvPr/>
-        </p:nvPicPr>
-        <p:blipFill>
-          <a:blip r:embed="rId6"/>
-          <a:stretch>
-            <a:fillRect/>
-          </a:stretch>
-        </p:blipFill>
-        <p:spPr>
-          <a:xfrm>
-            <a:off x="6792895" y="5633471"/>
-            <a:ext cx="3238500" cy="1085850"/>
-          </a:xfrm>
-          <a:prstGeom prst="rect">
-            <a:avLst/>
-          </a:prstGeom>
-        </p:spPr>
-      </p:pic>
-    </p:spTree>
-    <p:extLst>
-      <p:ext uri="{BB962C8B-B14F-4D97-AF65-F5344CB8AC3E}">
-        <p14:creationId xmlns:p14="http://schemas.microsoft.com/office/powerpoint/2010/main" val="4210003895"/>
-      </p:ext>
-    </p:extLst>
-  </p:cSld>
-  <p:clrMapOvr>
-    <a:masterClrMapping/>
-  </p:clrMapOvr>
-</p:sld>
-</file>
-
-<file path=ppt/slides/slide11.xml><?xml version="1.0" encoding="utf-8"?>
 <p:sld xmlns:a="http://schemas.openxmlformats.org/drawingml/2006/main" xmlns:r="http://schemas.openxmlformats.org/officeDocument/2006/relationships" xmlns:p="http://schemas.openxmlformats.org/presentationml/2006/main">
   <p:cSld>
     <p:spTree>
@@ -10127,371 +9501,7 @@
 </p:sld>
 </file>
 
-<file path=ppt/slides/slide12.xml><?xml version="1.0" encoding="utf-8"?>
-<p:sld xmlns:a="http://schemas.openxmlformats.org/drawingml/2006/main" xmlns:r="http://schemas.openxmlformats.org/officeDocument/2006/relationships" xmlns:p="http://schemas.openxmlformats.org/presentationml/2006/main">
-  <p:cSld>
-    <p:spTree>
-      <p:nvGrpSpPr>
-        <p:cNvPr id="1" name=""/>
-        <p:cNvGrpSpPr/>
-        <p:nvPr/>
-      </p:nvGrpSpPr>
-      <p:grpSpPr>
-        <a:xfrm>
-          <a:off x="0" y="0"/>
-          <a:ext cx="0" cy="0"/>
-          <a:chOff x="0" y="0"/>
-          <a:chExt cx="0" cy="0"/>
-        </a:xfrm>
-      </p:grpSpPr>
-      <p:sp>
-        <p:nvSpPr>
-          <p:cNvPr id="2" name="Title 1">
-            <a:extLst>
-              <a:ext uri="{FF2B5EF4-FFF2-40B4-BE49-F238E27FC236}">
-                <a16:creationId xmlns:a16="http://schemas.microsoft.com/office/drawing/2014/main" id="{8EDAE078-3CB3-4D1F-8E4E-75C6D5DA8D1A}"/>
-              </a:ext>
-            </a:extLst>
-          </p:cNvPr>
-          <p:cNvSpPr>
-            <a:spLocks noGrp="1"/>
-          </p:cNvSpPr>
-          <p:nvPr>
-            <p:ph type="title"/>
-          </p:nvPr>
-        </p:nvSpPr>
-        <p:spPr>
-          <a:xfrm>
-            <a:off x="1203434" y="83247"/>
-            <a:ext cx="10893973" cy="596023"/>
-          </a:xfrm>
-        </p:spPr>
-        <p:txBody>
-          <a:bodyPr>
-            <a:normAutofit fontScale="90000"/>
-          </a:bodyPr>
-          <a:lstStyle/>
-          <a:p>
-            <a:r>
-              <a:rPr lang="en-US" sz="4000" dirty="0">
-                <a:latin typeface="Bodoni MT" panose="02070603080606020203" pitchFamily="18" charset="0"/>
-              </a:rPr>
-              <a:t>Switch-</a:t>
-            </a:r>
-            <a:r>
-              <a:rPr lang="en-US" sz="4000" dirty="0" err="1">
-                <a:latin typeface="Bodoni MT" panose="02070603080606020203" pitchFamily="18" charset="0"/>
-              </a:rPr>
-              <a:t>satsen</a:t>
-            </a:r>
-            <a:endParaRPr lang="en-US" sz="4000" dirty="0">
-              <a:latin typeface="Bodoni MT" panose="02070603080606020203" pitchFamily="18" charset="0"/>
-            </a:endParaRPr>
-          </a:p>
-        </p:txBody>
-      </p:sp>
-      <p:sp>
-        <p:nvSpPr>
-          <p:cNvPr id="5" name="Content Placeholder 4">
-            <a:extLst>
-              <a:ext uri="{FF2B5EF4-FFF2-40B4-BE49-F238E27FC236}">
-                <a16:creationId xmlns:a16="http://schemas.microsoft.com/office/drawing/2014/main" id="{BFC6430F-1FDE-4D8C-8C11-DD7124791905}"/>
-              </a:ext>
-            </a:extLst>
-          </p:cNvPr>
-          <p:cNvSpPr>
-            <a:spLocks noGrp="1"/>
-          </p:cNvSpPr>
-          <p:nvPr>
-            <p:ph idx="1"/>
-          </p:nvPr>
-        </p:nvSpPr>
-        <p:spPr>
-          <a:xfrm>
-            <a:off x="1203434" y="679270"/>
-            <a:ext cx="10178322" cy="5975366"/>
-          </a:xfrm>
-        </p:spPr>
-        <p:txBody>
-          <a:bodyPr>
-            <a:normAutofit/>
-          </a:bodyPr>
-          <a:lstStyle/>
-          <a:p>
-            <a:r>
-              <a:rPr lang="sv-SE" dirty="0"/>
-              <a:t>En switch-sats kan ersätta flera </a:t>
-            </a:r>
-            <a:r>
-              <a:rPr lang="sv-SE" dirty="0" err="1"/>
-              <a:t>if</a:t>
-            </a:r>
-            <a:r>
-              <a:rPr lang="sv-SE" dirty="0"/>
-              <a:t>-satser. Det ger ett mer beskrivande sätt att jämföra ett värde med flera varianter.</a:t>
-            </a:r>
-          </a:p>
-          <a:p>
-            <a:r>
-              <a:rPr lang="sv-SE" dirty="0">
-                <a:solidFill>
-                  <a:schemeClr val="tx1">
-                    <a:lumMod val="75000"/>
-                    <a:lumOff val="25000"/>
-                  </a:schemeClr>
-                </a:solidFill>
-              </a:rPr>
-              <a:t>Switch-satsen har ett eller flera fall ”</a:t>
-            </a:r>
-            <a:r>
-              <a:rPr lang="sv-SE" dirty="0" err="1">
-                <a:solidFill>
-                  <a:schemeClr val="tx1">
-                    <a:lumMod val="75000"/>
-                    <a:lumOff val="25000"/>
-                  </a:schemeClr>
-                </a:solidFill>
-              </a:rPr>
-              <a:t>case</a:t>
-            </a:r>
-            <a:r>
-              <a:rPr lang="sv-SE" dirty="0">
-                <a:solidFill>
-                  <a:schemeClr val="tx1">
-                    <a:lumMod val="75000"/>
-                    <a:lumOff val="25000"/>
-                  </a:schemeClr>
-                </a:solidFill>
-              </a:rPr>
-              <a:t>”-block och ett default block som är valfritt och körs bara om inte någon av de andra fallen inte körs.</a:t>
-            </a:r>
-          </a:p>
-          <a:p>
-            <a:endParaRPr lang="sv-SE" dirty="0">
-              <a:solidFill>
-                <a:schemeClr val="tx1">
-                  <a:lumMod val="75000"/>
-                  <a:lumOff val="25000"/>
-                </a:schemeClr>
-              </a:solidFill>
-            </a:endParaRPr>
-          </a:p>
-          <a:p>
-            <a:r>
-              <a:rPr lang="sv-SE" dirty="0">
-                <a:solidFill>
-                  <a:schemeClr val="tx1">
-                    <a:lumMod val="75000"/>
-                    <a:lumOff val="25000"/>
-                  </a:schemeClr>
-                </a:solidFill>
-              </a:rPr>
-              <a:t>Steg för steg</a:t>
-            </a:r>
-          </a:p>
-          <a:p>
-            <a:pPr lvl="1"/>
-            <a:r>
-              <a:rPr lang="sv-SE" dirty="0">
-                <a:solidFill>
-                  <a:schemeClr val="tx1">
-                    <a:lumMod val="75000"/>
-                    <a:lumOff val="25000"/>
-                  </a:schemeClr>
-                </a:solidFill>
-              </a:rPr>
-              <a:t>Värdet x kontrolleras för en strikt likhet med värdet från det</a:t>
-            </a:r>
-            <a:br>
-              <a:rPr lang="sv-SE" dirty="0">
-                <a:solidFill>
-                  <a:schemeClr val="tx1">
-                    <a:lumMod val="75000"/>
-                    <a:lumOff val="25000"/>
-                  </a:schemeClr>
-                </a:solidFill>
-              </a:rPr>
-            </a:br>
-            <a:r>
-              <a:rPr lang="sv-SE" dirty="0">
-                <a:solidFill>
-                  <a:schemeClr val="tx1">
-                    <a:lumMod val="75000"/>
-                    <a:lumOff val="25000"/>
-                  </a:schemeClr>
-                </a:solidFill>
-              </a:rPr>
-              <a:t>första fallet (dvs value1) sedan till det andra (value2) och så</a:t>
-            </a:r>
-            <a:br>
-              <a:rPr lang="sv-SE" dirty="0">
-                <a:solidFill>
-                  <a:schemeClr val="tx1">
-                    <a:lumMod val="75000"/>
-                    <a:lumOff val="25000"/>
-                  </a:schemeClr>
-                </a:solidFill>
-              </a:rPr>
-            </a:br>
-            <a:r>
-              <a:rPr lang="sv-SE" dirty="0">
-                <a:solidFill>
-                  <a:schemeClr val="tx1">
-                    <a:lumMod val="75000"/>
-                    <a:lumOff val="25000"/>
-                  </a:schemeClr>
-                </a:solidFill>
-              </a:rPr>
-              <a:t>vidare.</a:t>
-            </a:r>
-          </a:p>
-          <a:p>
-            <a:pPr lvl="1"/>
-            <a:r>
-              <a:rPr lang="sv-SE" dirty="0">
-                <a:solidFill>
-                  <a:schemeClr val="tx1">
-                    <a:lumMod val="75000"/>
-                    <a:lumOff val="25000"/>
-                  </a:schemeClr>
-                </a:solidFill>
-              </a:rPr>
-              <a:t>Och likhet hittas, körs koden i blocket under fallet.</a:t>
-            </a:r>
-          </a:p>
-          <a:p>
-            <a:pPr lvl="1"/>
-            <a:r>
-              <a:rPr lang="sv-SE" dirty="0">
-                <a:solidFill>
-                  <a:schemeClr val="tx1">
-                    <a:lumMod val="75000"/>
-                    <a:lumOff val="25000"/>
-                  </a:schemeClr>
-                </a:solidFill>
-              </a:rPr>
-              <a:t>Om inget fall matchar, körs </a:t>
-            </a:r>
-            <a:r>
-              <a:rPr lang="sv-SE" dirty="0" err="1">
-                <a:solidFill>
-                  <a:schemeClr val="tx1">
-                    <a:lumMod val="75000"/>
-                    <a:lumOff val="25000"/>
-                  </a:schemeClr>
-                </a:solidFill>
-              </a:rPr>
-              <a:t>defaultkoden</a:t>
-            </a:r>
-            <a:r>
-              <a:rPr lang="sv-SE" dirty="0">
-                <a:solidFill>
-                  <a:schemeClr val="tx1">
-                    <a:lumMod val="75000"/>
-                    <a:lumOff val="25000"/>
-                  </a:schemeClr>
-                </a:solidFill>
-              </a:rPr>
-              <a:t> (om den finns).</a:t>
-            </a:r>
-            <a:endParaRPr lang="sv-SE" dirty="0">
-              <a:solidFill>
-                <a:schemeClr val="tx2">
-                  <a:lumMod val="75000"/>
-                  <a:lumOff val="25000"/>
-                </a:schemeClr>
-              </a:solidFill>
-            </a:endParaRPr>
-          </a:p>
-          <a:p>
-            <a:endParaRPr lang="sv-SE" dirty="0">
-              <a:solidFill>
-                <a:schemeClr val="tx2">
-                  <a:lumMod val="75000"/>
-                  <a:lumOff val="25000"/>
-                </a:schemeClr>
-              </a:solidFill>
-            </a:endParaRPr>
-          </a:p>
-          <a:p>
-            <a:endParaRPr lang="sv-SE" dirty="0"/>
-          </a:p>
-        </p:txBody>
-      </p:sp>
-      <p:pic>
-        <p:nvPicPr>
-          <p:cNvPr id="3" name="Picture 2">
-            <a:extLst>
-              <a:ext uri="{FF2B5EF4-FFF2-40B4-BE49-F238E27FC236}">
-                <a16:creationId xmlns:a16="http://schemas.microsoft.com/office/drawing/2014/main" id="{5BE33D04-0514-4F3B-B578-DDF6EBA12622}"/>
-              </a:ext>
-            </a:extLst>
-          </p:cNvPr>
-          <p:cNvPicPr>
-            <a:picLocks noChangeAspect="1"/>
-          </p:cNvPicPr>
-          <p:nvPr/>
-        </p:nvPicPr>
-        <p:blipFill>
-          <a:blip r:embed="rId3"/>
-          <a:stretch>
-            <a:fillRect/>
-          </a:stretch>
-        </p:blipFill>
-        <p:spPr>
-          <a:xfrm>
-            <a:off x="7766826" y="1789215"/>
-            <a:ext cx="3090671" cy="2014063"/>
-          </a:xfrm>
-          <a:prstGeom prst="rect">
-            <a:avLst/>
-          </a:prstGeom>
-        </p:spPr>
-      </p:pic>
-      <p:pic>
-        <p:nvPicPr>
-          <p:cNvPr id="8" name="Picture 7">
-            <a:extLst>
-              <a:ext uri="{FF2B5EF4-FFF2-40B4-BE49-F238E27FC236}">
-                <a16:creationId xmlns:a16="http://schemas.microsoft.com/office/drawing/2014/main" id="{036D7BEE-F96F-432F-B2E7-BCF19C0B52C4}"/>
-              </a:ext>
-            </a:extLst>
-          </p:cNvPr>
-          <p:cNvPicPr>
-            <a:picLocks noChangeAspect="1"/>
-          </p:cNvPicPr>
-          <p:nvPr/>
-        </p:nvPicPr>
-        <p:blipFill>
-          <a:blip r:embed="rId4"/>
-          <a:stretch>
-            <a:fillRect/>
-          </a:stretch>
-        </p:blipFill>
-        <p:spPr>
-          <a:xfrm>
-            <a:off x="7766826" y="3905715"/>
-            <a:ext cx="3494733" cy="2924540"/>
-          </a:xfrm>
-          <a:prstGeom prst="rect">
-            <a:avLst/>
-          </a:prstGeom>
-        </p:spPr>
-      </p:pic>
-    </p:spTree>
-    <p:extLst>
-      <p:ext uri="{BB962C8B-B14F-4D97-AF65-F5344CB8AC3E}">
-        <p14:creationId xmlns:p14="http://schemas.microsoft.com/office/powerpoint/2010/main" val="1874673809"/>
-      </p:ext>
-    </p:extLst>
-  </p:cSld>
-  <p:clrMapOvr>
-    <a:masterClrMapping/>
-  </p:clrMapOvr>
-</p:sld>
-</file>
-
-<file path=ppt/slides/slide13.xml><?xml version="1.0" encoding="utf-8"?>
+<file path=ppt/slides/slide11.xml><?xml version="1.0" encoding="utf-8"?>
 <p:sld xmlns:a="http://schemas.openxmlformats.org/drawingml/2006/main" xmlns:r="http://schemas.openxmlformats.org/officeDocument/2006/relationships" xmlns:p="http://schemas.openxmlformats.org/presentationml/2006/main">
   <p:cSld>
     <p:spTree>
@@ -10843,7 +9853,7 @@
 </p:sld>
 </file>
 
-<file path=ppt/slides/slide14.xml><?xml version="1.0" encoding="utf-8"?>
+<file path=ppt/slides/slide12.xml><?xml version="1.0" encoding="utf-8"?>
 <p:sld xmlns:a="http://schemas.openxmlformats.org/drawingml/2006/main" xmlns:r="http://schemas.openxmlformats.org/officeDocument/2006/relationships" xmlns:p="http://schemas.openxmlformats.org/presentationml/2006/main">
   <p:cSld>
     <p:spTree>
@@ -11082,7 +10092,7 @@
 </p:sld>
 </file>
 
-<file path=ppt/slides/slide15.xml><?xml version="1.0" encoding="utf-8"?>
+<file path=ppt/slides/slide13.xml><?xml version="1.0" encoding="utf-8"?>
 <p:sld xmlns:a="http://schemas.openxmlformats.org/drawingml/2006/main" xmlns:r="http://schemas.openxmlformats.org/officeDocument/2006/relationships" xmlns:p="http://schemas.openxmlformats.org/presentationml/2006/main">
   <p:cSld>
     <p:spTree>
@@ -11426,481 +10436,7 @@
 </p:sld>
 </file>
 
-<file path=ppt/slides/slide16.xml><?xml version="1.0" encoding="utf-8"?>
-<p:sld xmlns:a="http://schemas.openxmlformats.org/drawingml/2006/main" xmlns:r="http://schemas.openxmlformats.org/officeDocument/2006/relationships" xmlns:p="http://schemas.openxmlformats.org/presentationml/2006/main">
-  <p:cSld>
-    <p:spTree>
-      <p:nvGrpSpPr>
-        <p:cNvPr id="1" name=""/>
-        <p:cNvGrpSpPr/>
-        <p:nvPr/>
-      </p:nvGrpSpPr>
-      <p:grpSpPr>
-        <a:xfrm>
-          <a:off x="0" y="0"/>
-          <a:ext cx="0" cy="0"/>
-          <a:chOff x="0" y="0"/>
-          <a:chExt cx="0" cy="0"/>
-        </a:xfrm>
-      </p:grpSpPr>
-      <p:sp>
-        <p:nvSpPr>
-          <p:cNvPr id="2" name="Title 1">
-            <a:extLst>
-              <a:ext uri="{FF2B5EF4-FFF2-40B4-BE49-F238E27FC236}">
-                <a16:creationId xmlns:a16="http://schemas.microsoft.com/office/drawing/2014/main" id="{8EDAE078-3CB3-4D1F-8E4E-75C6D5DA8D1A}"/>
-              </a:ext>
-            </a:extLst>
-          </p:cNvPr>
-          <p:cNvSpPr>
-            <a:spLocks noGrp="1"/>
-          </p:cNvSpPr>
-          <p:nvPr>
-            <p:ph type="title"/>
-          </p:nvPr>
-        </p:nvSpPr>
-        <p:spPr>
-          <a:xfrm>
-            <a:off x="1203434" y="83247"/>
-            <a:ext cx="10893973" cy="596023"/>
-          </a:xfrm>
-        </p:spPr>
-        <p:txBody>
-          <a:bodyPr>
-            <a:normAutofit fontScale="90000"/>
-          </a:bodyPr>
-          <a:lstStyle/>
-          <a:p>
-            <a:r>
-              <a:rPr lang="en-US" sz="4000" dirty="0">
-                <a:latin typeface="Bodoni MT" panose="02070603080606020203" pitchFamily="18" charset="0"/>
-              </a:rPr>
-              <a:t>Arrow functions (</a:t>
-            </a:r>
-            <a:r>
-              <a:rPr lang="en-US" sz="4000">
-                <a:latin typeface="Bodoni MT" panose="02070603080606020203" pitchFamily="18" charset="0"/>
-              </a:rPr>
-              <a:t>pil-funktioner)</a:t>
-            </a:r>
-            <a:endParaRPr lang="en-US" sz="4000" dirty="0">
-              <a:latin typeface="Bodoni MT" panose="02070603080606020203" pitchFamily="18" charset="0"/>
-            </a:endParaRPr>
-          </a:p>
-        </p:txBody>
-      </p:sp>
-      <p:sp>
-        <p:nvSpPr>
-          <p:cNvPr id="5" name="Content Placeholder 4">
-            <a:extLst>
-              <a:ext uri="{FF2B5EF4-FFF2-40B4-BE49-F238E27FC236}">
-                <a16:creationId xmlns:a16="http://schemas.microsoft.com/office/drawing/2014/main" id="{BFC6430F-1FDE-4D8C-8C11-DD7124791905}"/>
-              </a:ext>
-            </a:extLst>
-          </p:cNvPr>
-          <p:cNvSpPr>
-            <a:spLocks noGrp="1"/>
-          </p:cNvSpPr>
-          <p:nvPr>
-            <p:ph idx="1"/>
-          </p:nvPr>
-        </p:nvSpPr>
-        <p:spPr>
-          <a:xfrm>
-            <a:off x="1203434" y="679270"/>
-            <a:ext cx="10178322" cy="5975366"/>
-          </a:xfrm>
-        </p:spPr>
-        <p:txBody>
-          <a:bodyPr>
-            <a:normAutofit/>
-          </a:bodyPr>
-          <a:lstStyle/>
-          <a:p>
-            <a:r>
-              <a:rPr lang="sv-SE" dirty="0"/>
-              <a:t>’</a:t>
-            </a:r>
-            <a:r>
-              <a:rPr lang="sv-SE" dirty="0">
-                <a:solidFill>
-                  <a:schemeClr val="tx2">
-                    <a:lumMod val="75000"/>
-                    <a:lumOff val="25000"/>
-                  </a:schemeClr>
-                </a:solidFill>
-              </a:rPr>
-              <a:t>Arrow </a:t>
-            </a:r>
-            <a:r>
-              <a:rPr lang="sv-SE" dirty="0" err="1">
-                <a:solidFill>
-                  <a:schemeClr val="tx2">
-                    <a:lumMod val="75000"/>
-                    <a:lumOff val="25000"/>
-                  </a:schemeClr>
-                </a:solidFill>
-              </a:rPr>
-              <a:t>functions</a:t>
-            </a:r>
-            <a:r>
-              <a:rPr lang="sv-SE" dirty="0"/>
-              <a:t>’ är ett mer kortfattad sätt att skapa funktioner:</a:t>
-            </a:r>
-          </a:p>
-          <a:p>
-            <a:endParaRPr lang="sv-SE" dirty="0"/>
-          </a:p>
-          <a:p>
-            <a:r>
-              <a:rPr lang="sv-SE" dirty="0"/>
-              <a:t>Detta skapar en funktion </a:t>
-            </a:r>
-            <a:r>
-              <a:rPr lang="sv-SE" dirty="0" err="1">
-                <a:solidFill>
-                  <a:schemeClr val="tx2">
-                    <a:lumMod val="75000"/>
-                    <a:lumOff val="25000"/>
-                  </a:schemeClr>
-                </a:solidFill>
-              </a:rPr>
-              <a:t>func</a:t>
-            </a:r>
-            <a:r>
-              <a:rPr lang="sv-SE" dirty="0"/>
-              <a:t> som accepterar argument </a:t>
-            </a:r>
-            <a:r>
-              <a:rPr lang="sv-SE" dirty="0">
-                <a:solidFill>
-                  <a:schemeClr val="tx2">
-                    <a:lumMod val="75000"/>
-                    <a:lumOff val="25000"/>
-                  </a:schemeClr>
-                </a:solidFill>
-              </a:rPr>
-              <a:t>arg1, arg2, …</a:t>
-            </a:r>
-            <a:r>
-              <a:rPr lang="sv-SE" dirty="0" err="1">
-                <a:solidFill>
-                  <a:schemeClr val="tx2">
-                    <a:lumMod val="75000"/>
-                    <a:lumOff val="25000"/>
-                  </a:schemeClr>
-                </a:solidFill>
-              </a:rPr>
-              <a:t>argN</a:t>
-            </a:r>
-            <a:r>
-              <a:rPr lang="sv-SE" dirty="0"/>
-              <a:t>, utvärderar sedan uttrycket på höger sida och returnerar dess resultat. Det är förkortning på:</a:t>
-            </a:r>
-          </a:p>
-          <a:p>
-            <a:endParaRPr lang="sv-SE" dirty="0"/>
-          </a:p>
-          <a:p>
-            <a:endParaRPr lang="sv-SE" dirty="0"/>
-          </a:p>
-          <a:p>
-            <a:r>
-              <a:rPr lang="sv-SE" dirty="0"/>
-              <a:t>Ett mer konkret exempel:</a:t>
-            </a:r>
-          </a:p>
-          <a:p>
-            <a:r>
-              <a:rPr lang="sv-SE" dirty="0"/>
-              <a:t>Som du kan se </a:t>
-            </a:r>
-            <a:r>
-              <a:rPr lang="sv-SE" dirty="0">
-                <a:solidFill>
-                  <a:schemeClr val="tx2">
-                    <a:lumMod val="75000"/>
-                    <a:lumOff val="25000"/>
-                  </a:schemeClr>
-                </a:solidFill>
-              </a:rPr>
-              <a:t>(a, b) =&gt; a + b</a:t>
-            </a:r>
-            <a:r>
-              <a:rPr lang="sv-SE" dirty="0"/>
-              <a:t> betyder en funktion som accepterar två argument med namnet</a:t>
-            </a:r>
-            <a:br>
-              <a:rPr lang="sv-SE" dirty="0"/>
-            </a:br>
-            <a:r>
-              <a:rPr lang="sv-SE" dirty="0">
-                <a:solidFill>
-                  <a:schemeClr val="tx2">
-                    <a:lumMod val="75000"/>
-                    <a:lumOff val="25000"/>
-                  </a:schemeClr>
-                </a:solidFill>
-              </a:rPr>
-              <a:t>a</a:t>
-            </a:r>
-            <a:r>
-              <a:rPr lang="sv-SE" dirty="0"/>
-              <a:t> och </a:t>
-            </a:r>
-            <a:r>
-              <a:rPr lang="sv-SE" dirty="0">
-                <a:solidFill>
-                  <a:schemeClr val="tx2">
-                    <a:lumMod val="75000"/>
-                    <a:lumOff val="25000"/>
-                  </a:schemeClr>
-                </a:solidFill>
-              </a:rPr>
-              <a:t>b</a:t>
-            </a:r>
-            <a:r>
-              <a:rPr lang="sv-SE" dirty="0"/>
-              <a:t>.  Vid körningen utvärderar det uttrycket </a:t>
-            </a:r>
-            <a:r>
-              <a:rPr lang="sv-SE" dirty="0">
-                <a:solidFill>
-                  <a:schemeClr val="tx2">
-                    <a:lumMod val="75000"/>
-                    <a:lumOff val="25000"/>
-                  </a:schemeClr>
-                </a:solidFill>
-              </a:rPr>
-              <a:t>a + b </a:t>
-            </a:r>
-            <a:r>
-              <a:rPr lang="sv-SE" dirty="0"/>
-              <a:t>och returnerar resultatet. </a:t>
-            </a:r>
-          </a:p>
-          <a:p>
-            <a:r>
-              <a:rPr lang="sv-SE" dirty="0" err="1"/>
-              <a:t>Multiline</a:t>
-            </a:r>
-            <a:r>
-              <a:rPr lang="sv-SE" dirty="0"/>
-              <a:t> Arrow-</a:t>
-            </a:r>
-            <a:r>
-              <a:rPr lang="sv-SE" dirty="0" err="1"/>
-              <a:t>function</a:t>
-            </a:r>
-            <a:endParaRPr lang="sv-SE" dirty="0"/>
-          </a:p>
-          <a:p>
-            <a:pPr lvl="1"/>
-            <a:r>
-              <a:rPr lang="sv-SE" dirty="0"/>
-              <a:t>Ibland behöver vi använda flera uttryck och det gör vi genom att kapsla uttrycken med måsvingar </a:t>
-            </a:r>
-            <a:r>
-              <a:rPr lang="sv-SE" dirty="0">
-                <a:solidFill>
-                  <a:schemeClr val="tx2">
-                    <a:lumMod val="75000"/>
-                    <a:lumOff val="25000"/>
-                  </a:schemeClr>
-                </a:solidFill>
-              </a:rPr>
-              <a:t>{ }</a:t>
-            </a:r>
-            <a:r>
-              <a:rPr lang="sv-SE" dirty="0"/>
-              <a:t>, skulle vi vilja returnera data använder vi sedan ett normal </a:t>
-            </a:r>
-            <a:r>
-              <a:rPr lang="sv-SE" dirty="0" err="1">
-                <a:solidFill>
-                  <a:schemeClr val="tx2">
-                    <a:lumMod val="75000"/>
-                    <a:lumOff val="25000"/>
-                  </a:schemeClr>
-                </a:solidFill>
-              </a:rPr>
-              <a:t>return</a:t>
-            </a:r>
-            <a:r>
-              <a:rPr lang="sv-SE" dirty="0"/>
-              <a:t> värde.</a:t>
-            </a:r>
-          </a:p>
-          <a:p>
-            <a:pPr lvl="1"/>
-            <a:endParaRPr lang="sv-SE" dirty="0"/>
-          </a:p>
-        </p:txBody>
-      </p:sp>
-      <p:pic>
-        <p:nvPicPr>
-          <p:cNvPr id="3" name="Picture 2">
-            <a:extLst>
-              <a:ext uri="{FF2B5EF4-FFF2-40B4-BE49-F238E27FC236}">
-                <a16:creationId xmlns:a16="http://schemas.microsoft.com/office/drawing/2014/main" id="{32FC0F5C-E19F-400F-9C46-33A50AADD73A}"/>
-              </a:ext>
-            </a:extLst>
-          </p:cNvPr>
-          <p:cNvPicPr>
-            <a:picLocks noChangeAspect="1"/>
-          </p:cNvPicPr>
-          <p:nvPr/>
-        </p:nvPicPr>
-        <p:blipFill>
-          <a:blip r:embed="rId3"/>
-          <a:stretch>
-            <a:fillRect/>
-          </a:stretch>
-        </p:blipFill>
-        <p:spPr>
-          <a:xfrm>
-            <a:off x="1527008" y="1065743"/>
-            <a:ext cx="4229100" cy="419100"/>
-          </a:xfrm>
-          <a:prstGeom prst="rect">
-            <a:avLst/>
-          </a:prstGeom>
-        </p:spPr>
-      </p:pic>
-      <p:pic>
-        <p:nvPicPr>
-          <p:cNvPr id="4" name="Picture 3">
-            <a:extLst>
-              <a:ext uri="{FF2B5EF4-FFF2-40B4-BE49-F238E27FC236}">
-                <a16:creationId xmlns:a16="http://schemas.microsoft.com/office/drawing/2014/main" id="{F82196D9-948A-4477-B8AA-6EB763D6D89F}"/>
-              </a:ext>
-            </a:extLst>
-          </p:cNvPr>
-          <p:cNvPicPr>
-            <a:picLocks noChangeAspect="1"/>
-          </p:cNvPicPr>
-          <p:nvPr/>
-        </p:nvPicPr>
-        <p:blipFill>
-          <a:blip r:embed="rId4"/>
-          <a:stretch>
-            <a:fillRect/>
-          </a:stretch>
-        </p:blipFill>
-        <p:spPr>
-          <a:xfrm>
-            <a:off x="1527008" y="2329113"/>
-            <a:ext cx="4010025" cy="723900"/>
-          </a:xfrm>
-          <a:prstGeom prst="rect">
-            <a:avLst/>
-          </a:prstGeom>
-        </p:spPr>
-      </p:pic>
-      <p:pic>
-        <p:nvPicPr>
-          <p:cNvPr id="9" name="Picture 8">
-            <a:extLst>
-              <a:ext uri="{FF2B5EF4-FFF2-40B4-BE49-F238E27FC236}">
-                <a16:creationId xmlns:a16="http://schemas.microsoft.com/office/drawing/2014/main" id="{0EAD62EC-FFCE-43D8-8D13-618EB4439BA1}"/>
-              </a:ext>
-            </a:extLst>
-          </p:cNvPr>
-          <p:cNvPicPr>
-            <a:picLocks noChangeAspect="1"/>
-          </p:cNvPicPr>
-          <p:nvPr/>
-        </p:nvPicPr>
-        <p:blipFill>
-          <a:blip r:embed="rId5"/>
-          <a:stretch>
-            <a:fillRect/>
-          </a:stretch>
-        </p:blipFill>
-        <p:spPr>
-          <a:xfrm>
-            <a:off x="4775258" y="3191636"/>
-            <a:ext cx="5267325" cy="342900"/>
-          </a:xfrm>
-          <a:prstGeom prst="rect">
-            <a:avLst/>
-          </a:prstGeom>
-        </p:spPr>
-      </p:pic>
-      <p:pic>
-        <p:nvPicPr>
-          <p:cNvPr id="10" name="Picture 9">
-            <a:extLst>
-              <a:ext uri="{FF2B5EF4-FFF2-40B4-BE49-F238E27FC236}">
-                <a16:creationId xmlns:a16="http://schemas.microsoft.com/office/drawing/2014/main" id="{CFBA8C4F-11BE-47D9-A0B7-4CF74EE2B96D}"/>
-              </a:ext>
-            </a:extLst>
-          </p:cNvPr>
-          <p:cNvPicPr>
-            <a:picLocks noChangeAspect="1"/>
-          </p:cNvPicPr>
-          <p:nvPr/>
-        </p:nvPicPr>
-        <p:blipFill>
-          <a:blip r:embed="rId6"/>
-          <a:stretch>
-            <a:fillRect/>
-          </a:stretch>
-        </p:blipFill>
-        <p:spPr>
-          <a:xfrm>
-            <a:off x="7923521" y="3172586"/>
-            <a:ext cx="5905500" cy="381000"/>
-          </a:xfrm>
-          <a:prstGeom prst="rect">
-            <a:avLst/>
-          </a:prstGeom>
-        </p:spPr>
-      </p:pic>
-      <p:pic>
-        <p:nvPicPr>
-          <p:cNvPr id="11" name="Picture 10">
-            <a:extLst>
-              <a:ext uri="{FF2B5EF4-FFF2-40B4-BE49-F238E27FC236}">
-                <a16:creationId xmlns:a16="http://schemas.microsoft.com/office/drawing/2014/main" id="{EDA54C30-E596-4F32-A5A3-FB6526C88BF5}"/>
-              </a:ext>
-            </a:extLst>
-          </p:cNvPr>
-          <p:cNvPicPr>
-            <a:picLocks noChangeAspect="1"/>
-          </p:cNvPicPr>
-          <p:nvPr/>
-        </p:nvPicPr>
-        <p:blipFill>
-          <a:blip r:embed="rId7"/>
-          <a:stretch>
-            <a:fillRect/>
-          </a:stretch>
-        </p:blipFill>
-        <p:spPr>
-          <a:xfrm>
-            <a:off x="1527008" y="5416906"/>
-            <a:ext cx="6877050" cy="1333500"/>
-          </a:xfrm>
-          <a:prstGeom prst="rect">
-            <a:avLst/>
-          </a:prstGeom>
-        </p:spPr>
-      </p:pic>
-    </p:spTree>
-    <p:extLst>
-      <p:ext uri="{BB962C8B-B14F-4D97-AF65-F5344CB8AC3E}">
-        <p14:creationId xmlns:p14="http://schemas.microsoft.com/office/powerpoint/2010/main" val="3093293204"/>
-      </p:ext>
-    </p:extLst>
-  </p:cSld>
-  <p:clrMapOvr>
-    <a:masterClrMapping/>
-  </p:clrMapOvr>
-</p:sld>
-</file>
-
-<file path=ppt/slides/slide17.xml><?xml version="1.0" encoding="utf-8"?>
+<file path=ppt/slides/slide14.xml><?xml version="1.0" encoding="utf-8"?>
 <p:sld xmlns:a="http://schemas.openxmlformats.org/drawingml/2006/main" xmlns:r="http://schemas.openxmlformats.org/officeDocument/2006/relationships" xmlns:p="http://schemas.openxmlformats.org/presentationml/2006/main">
   <p:cSld>
     <p:spTree>
@@ -12203,7 +10739,7 @@
 </p:sld>
 </file>
 
-<file path=ppt/slides/slide18.xml><?xml version="1.0" encoding="utf-8"?>
+<file path=ppt/slides/slide15.xml><?xml version="1.0" encoding="utf-8"?>
 <p:sld xmlns:a="http://schemas.openxmlformats.org/drawingml/2006/main" xmlns:r="http://schemas.openxmlformats.org/officeDocument/2006/relationships" xmlns:p="http://schemas.openxmlformats.org/presentationml/2006/main">
   <p:cSld>
     <p:spTree>
@@ -12599,7 +11135,7 @@
 </p:sld>
 </file>
 
-<file path=ppt/slides/slide19.xml><?xml version="1.0" encoding="utf-8"?>
+<file path=ppt/slides/slide16.xml><?xml version="1.0" encoding="utf-8"?>
 <p:sld xmlns:a="http://schemas.openxmlformats.org/drawingml/2006/main" xmlns:r="http://schemas.openxmlformats.org/officeDocument/2006/relationships" xmlns:p="http://schemas.openxmlformats.org/presentationml/2006/main">
   <p:cSld>
     <p:spTree>
@@ -12960,6 +11496,492 @@
     <p:extLst>
       <p:ext uri="{BB962C8B-B14F-4D97-AF65-F5344CB8AC3E}">
         <p14:creationId xmlns:p14="http://schemas.microsoft.com/office/powerpoint/2010/main" val="3056860439"/>
+      </p:ext>
+    </p:extLst>
+  </p:cSld>
+  <p:clrMapOvr>
+    <a:masterClrMapping/>
+  </p:clrMapOvr>
+</p:sld>
+</file>
+
+<file path=ppt/slides/slide17.xml><?xml version="1.0" encoding="utf-8"?>
+<p:sld xmlns:a="http://schemas.openxmlformats.org/drawingml/2006/main" xmlns:r="http://schemas.openxmlformats.org/officeDocument/2006/relationships" xmlns:p="http://schemas.openxmlformats.org/presentationml/2006/main">
+  <p:cSld>
+    <p:spTree>
+      <p:nvGrpSpPr>
+        <p:cNvPr id="1" name=""/>
+        <p:cNvGrpSpPr/>
+        <p:nvPr/>
+      </p:nvGrpSpPr>
+      <p:grpSpPr>
+        <a:xfrm>
+          <a:off x="0" y="0"/>
+          <a:ext cx="0" cy="0"/>
+          <a:chOff x="0" y="0"/>
+          <a:chExt cx="0" cy="0"/>
+        </a:xfrm>
+      </p:grpSpPr>
+      <p:sp>
+        <p:nvSpPr>
+          <p:cNvPr id="2" name="Title 1">
+            <a:extLst>
+              <a:ext uri="{FF2B5EF4-FFF2-40B4-BE49-F238E27FC236}">
+                <a16:creationId xmlns:a16="http://schemas.microsoft.com/office/drawing/2014/main" id="{8EDAE078-3CB3-4D1F-8E4E-75C6D5DA8D1A}"/>
+              </a:ext>
+            </a:extLst>
+          </p:cNvPr>
+          <p:cNvSpPr>
+            <a:spLocks noGrp="1"/>
+          </p:cNvSpPr>
+          <p:nvPr>
+            <p:ph type="title"/>
+          </p:nvPr>
+        </p:nvSpPr>
+        <p:spPr>
+          <a:xfrm>
+            <a:off x="1203434" y="83247"/>
+            <a:ext cx="10893973" cy="596023"/>
+          </a:xfrm>
+        </p:spPr>
+        <p:txBody>
+          <a:bodyPr>
+            <a:normAutofit fontScale="90000"/>
+          </a:bodyPr>
+          <a:lstStyle/>
+          <a:p>
+            <a:r>
+              <a:rPr lang="en-US" sz="4000" dirty="0" err="1">
+                <a:latin typeface="Bodoni MT" panose="02070603080606020203" pitchFamily="18" charset="0"/>
+              </a:rPr>
+              <a:t>Metoder</a:t>
+            </a:r>
+            <a:r>
+              <a:rPr lang="en-US" sz="4000" dirty="0">
+                <a:latin typeface="Bodoni MT" panose="02070603080606020203" pitchFamily="18" charset="0"/>
+              </a:rPr>
+              <a:t> </a:t>
+            </a:r>
+            <a:r>
+              <a:rPr lang="en-US" sz="4000" dirty="0" err="1">
+                <a:latin typeface="Bodoni MT" panose="02070603080606020203" pitchFamily="18" charset="0"/>
+              </a:rPr>
+              <a:t>på</a:t>
+            </a:r>
+            <a:r>
+              <a:rPr lang="en-US" sz="4000" dirty="0">
+                <a:latin typeface="Bodoni MT" panose="02070603080606020203" pitchFamily="18" charset="0"/>
+              </a:rPr>
+              <a:t> Arrays (</a:t>
+            </a:r>
+            <a:r>
+              <a:rPr lang="en-US" sz="4000" dirty="0" err="1">
+                <a:latin typeface="Bodoni MT" panose="02070603080606020203" pitchFamily="18" charset="0"/>
+              </a:rPr>
+              <a:t>Listor</a:t>
+            </a:r>
+            <a:r>
+              <a:rPr lang="en-US" sz="4000" dirty="0">
+                <a:latin typeface="Bodoni MT" panose="02070603080606020203" pitchFamily="18" charset="0"/>
+              </a:rPr>
+              <a:t>)</a:t>
+            </a:r>
+          </a:p>
+        </p:txBody>
+      </p:sp>
+      <p:sp>
+        <p:nvSpPr>
+          <p:cNvPr id="5" name="Content Placeholder 4">
+            <a:extLst>
+              <a:ext uri="{FF2B5EF4-FFF2-40B4-BE49-F238E27FC236}">
+                <a16:creationId xmlns:a16="http://schemas.microsoft.com/office/drawing/2014/main" id="{BFC6430F-1FDE-4D8C-8C11-DD7124791905}"/>
+              </a:ext>
+            </a:extLst>
+          </p:cNvPr>
+          <p:cNvSpPr>
+            <a:spLocks noGrp="1"/>
+          </p:cNvSpPr>
+          <p:nvPr>
+            <p:ph idx="1"/>
+          </p:nvPr>
+        </p:nvSpPr>
+        <p:spPr>
+          <a:xfrm>
+            <a:off x="1203434" y="537332"/>
+            <a:ext cx="10178322" cy="5946119"/>
+          </a:xfrm>
+        </p:spPr>
+        <p:txBody>
+          <a:bodyPr>
+            <a:normAutofit/>
+          </a:bodyPr>
+          <a:lstStyle/>
+          <a:p>
+            <a:r>
+              <a:rPr lang="sv-SE" dirty="0"/>
+              <a:t>Metoder som arbetar med början av en </a:t>
+            </a:r>
+            <a:r>
+              <a:rPr lang="sv-SE" dirty="0" err="1"/>
+              <a:t>array</a:t>
+            </a:r>
+            <a:r>
+              <a:rPr lang="sv-SE" dirty="0"/>
+              <a:t>:</a:t>
+            </a:r>
+          </a:p>
+          <a:p>
+            <a:pPr lvl="1"/>
+            <a:r>
+              <a:rPr lang="sv-SE" dirty="0" err="1">
+                <a:solidFill>
+                  <a:schemeClr val="tx2">
+                    <a:lumMod val="75000"/>
+                    <a:lumOff val="25000"/>
+                  </a:schemeClr>
+                </a:solidFill>
+              </a:rPr>
+              <a:t>shift</a:t>
+            </a:r>
+            <a:r>
+              <a:rPr lang="sv-SE" dirty="0">
+                <a:solidFill>
+                  <a:schemeClr val="tx2">
+                    <a:lumMod val="75000"/>
+                    <a:lumOff val="25000"/>
+                  </a:schemeClr>
+                </a:solidFill>
+              </a:rPr>
+              <a:t>()</a:t>
+            </a:r>
+            <a:r>
+              <a:rPr lang="sv-SE" dirty="0"/>
+              <a:t> tar bort det första elementet i </a:t>
+            </a:r>
+            <a:r>
+              <a:rPr lang="sv-SE" dirty="0" err="1"/>
+              <a:t>arrayen</a:t>
+            </a:r>
+            <a:r>
+              <a:rPr lang="sv-SE" dirty="0"/>
+              <a:t>/listan och returnerar det:</a:t>
+            </a:r>
+          </a:p>
+          <a:p>
+            <a:pPr lvl="1"/>
+            <a:endParaRPr lang="sv-SE" dirty="0"/>
+          </a:p>
+          <a:p>
+            <a:pPr lvl="1"/>
+            <a:endParaRPr lang="sv-SE" dirty="0"/>
+          </a:p>
+          <a:p>
+            <a:pPr marL="457200" lvl="1" indent="0">
+              <a:buNone/>
+            </a:pPr>
+            <a:endParaRPr lang="sv-SE" dirty="0"/>
+          </a:p>
+          <a:p>
+            <a:pPr lvl="1"/>
+            <a:endParaRPr lang="sv-SE" dirty="0"/>
+          </a:p>
+          <a:p>
+            <a:pPr lvl="1"/>
+            <a:r>
+              <a:rPr lang="sv-SE" dirty="0" err="1">
+                <a:solidFill>
+                  <a:schemeClr val="tx2">
+                    <a:lumMod val="75000"/>
+                    <a:lumOff val="25000"/>
+                  </a:schemeClr>
+                </a:solidFill>
+              </a:rPr>
+              <a:t>unshift</a:t>
+            </a:r>
+            <a:r>
+              <a:rPr lang="sv-SE" dirty="0">
+                <a:solidFill>
+                  <a:schemeClr val="tx2">
+                    <a:lumMod val="75000"/>
+                    <a:lumOff val="25000"/>
+                  </a:schemeClr>
+                </a:solidFill>
+              </a:rPr>
+              <a:t>()</a:t>
+            </a:r>
+            <a:r>
+              <a:rPr lang="sv-SE" dirty="0"/>
+              <a:t> lägg till elementet i början av </a:t>
+            </a:r>
+            <a:r>
+              <a:rPr lang="sv-SE" dirty="0" err="1"/>
+              <a:t>arrayen</a:t>
+            </a:r>
+            <a:r>
+              <a:rPr lang="sv-SE" dirty="0"/>
+              <a:t>:</a:t>
+            </a:r>
+          </a:p>
+          <a:p>
+            <a:pPr lvl="1"/>
+            <a:endParaRPr lang="sv-SE" dirty="0"/>
+          </a:p>
+          <a:p>
+            <a:pPr lvl="1"/>
+            <a:endParaRPr lang="sv-SE" dirty="0"/>
+          </a:p>
+          <a:p>
+            <a:pPr lvl="1"/>
+            <a:endParaRPr lang="sv-SE" dirty="0"/>
+          </a:p>
+          <a:p>
+            <a:pPr lvl="1"/>
+            <a:endParaRPr lang="sv-SE" dirty="0"/>
+          </a:p>
+          <a:p>
+            <a:pPr lvl="1"/>
+            <a:r>
+              <a:rPr lang="sv-SE" dirty="0"/>
+              <a:t>Metoderna </a:t>
+            </a:r>
+            <a:r>
+              <a:rPr lang="sv-SE" dirty="0">
+                <a:solidFill>
+                  <a:schemeClr val="tx2">
+                    <a:lumMod val="75000"/>
+                    <a:lumOff val="25000"/>
+                  </a:schemeClr>
+                </a:solidFill>
+              </a:rPr>
+              <a:t>push() </a:t>
+            </a:r>
+            <a:r>
+              <a:rPr lang="sv-SE" dirty="0"/>
+              <a:t>och </a:t>
+            </a:r>
+            <a:r>
+              <a:rPr lang="sv-SE" dirty="0" err="1">
+                <a:solidFill>
+                  <a:schemeClr val="tx2">
+                    <a:lumMod val="75000"/>
+                    <a:lumOff val="25000"/>
+                  </a:schemeClr>
+                </a:solidFill>
+              </a:rPr>
+              <a:t>unshift</a:t>
+            </a:r>
+            <a:r>
+              <a:rPr lang="sv-SE" dirty="0">
+                <a:solidFill>
+                  <a:schemeClr val="tx2">
+                    <a:lumMod val="75000"/>
+                    <a:lumOff val="25000"/>
+                  </a:schemeClr>
+                </a:solidFill>
+              </a:rPr>
+              <a:t>()</a:t>
+            </a:r>
+            <a:r>
+              <a:rPr lang="sv-SE" dirty="0"/>
+              <a:t> kan lägga till flera element samtidigt:</a:t>
+            </a:r>
+          </a:p>
+        </p:txBody>
+      </p:sp>
+      <p:pic>
+        <p:nvPicPr>
+          <p:cNvPr id="9" name="Picture 8">
+            <a:extLst>
+              <a:ext uri="{FF2B5EF4-FFF2-40B4-BE49-F238E27FC236}">
+                <a16:creationId xmlns:a16="http://schemas.microsoft.com/office/drawing/2014/main" id="{AF802F90-C4FB-4521-BBBF-4B57B1F80AF7}"/>
+              </a:ext>
+            </a:extLst>
+          </p:cNvPr>
+          <p:cNvPicPr>
+            <a:picLocks noChangeAspect="1"/>
+          </p:cNvPicPr>
+          <p:nvPr/>
+        </p:nvPicPr>
+        <p:blipFill>
+          <a:blip r:embed="rId3"/>
+          <a:stretch>
+            <a:fillRect/>
+          </a:stretch>
+        </p:blipFill>
+        <p:spPr>
+          <a:xfrm>
+            <a:off x="1979516" y="1532856"/>
+            <a:ext cx="4857750" cy="1123950"/>
+          </a:xfrm>
+          <a:prstGeom prst="rect">
+            <a:avLst/>
+          </a:prstGeom>
+        </p:spPr>
+      </p:pic>
+      <p:pic>
+        <p:nvPicPr>
+          <p:cNvPr id="3" name="Picture 2">
+            <a:extLst>
+              <a:ext uri="{FF2B5EF4-FFF2-40B4-BE49-F238E27FC236}">
+                <a16:creationId xmlns:a16="http://schemas.microsoft.com/office/drawing/2014/main" id="{3859A29C-F19B-414D-B6F1-7D945135ADC2}"/>
+              </a:ext>
+            </a:extLst>
+          </p:cNvPr>
+          <p:cNvPicPr>
+            <a:picLocks noChangeAspect="1"/>
+          </p:cNvPicPr>
+          <p:nvPr/>
+        </p:nvPicPr>
+        <p:blipFill>
+          <a:blip r:embed="rId4"/>
+          <a:stretch>
+            <a:fillRect/>
+          </a:stretch>
+        </p:blipFill>
+        <p:spPr>
+          <a:xfrm>
+            <a:off x="1979516" y="3510392"/>
+            <a:ext cx="4476750" cy="1162050"/>
+          </a:xfrm>
+          <a:prstGeom prst="rect">
+            <a:avLst/>
+          </a:prstGeom>
+        </p:spPr>
+      </p:pic>
+      <p:pic>
+        <p:nvPicPr>
+          <p:cNvPr id="4" name="Picture 3">
+            <a:extLst>
+              <a:ext uri="{FF2B5EF4-FFF2-40B4-BE49-F238E27FC236}">
+                <a16:creationId xmlns:a16="http://schemas.microsoft.com/office/drawing/2014/main" id="{372E54F7-012A-4D9D-9A30-173F925E5A7B}"/>
+              </a:ext>
+            </a:extLst>
+          </p:cNvPr>
+          <p:cNvPicPr>
+            <a:picLocks noChangeAspect="1"/>
+          </p:cNvPicPr>
+          <p:nvPr/>
+        </p:nvPicPr>
+        <p:blipFill>
+          <a:blip r:embed="rId5"/>
+          <a:stretch>
+            <a:fillRect/>
+          </a:stretch>
+        </p:blipFill>
+        <p:spPr>
+          <a:xfrm>
+            <a:off x="1962758" y="5276850"/>
+            <a:ext cx="5743575" cy="1581150"/>
+          </a:xfrm>
+          <a:prstGeom prst="rect">
+            <a:avLst/>
+          </a:prstGeom>
+        </p:spPr>
+      </p:pic>
+    </p:spTree>
+    <p:extLst>
+      <p:ext uri="{BB962C8B-B14F-4D97-AF65-F5344CB8AC3E}">
+        <p14:creationId xmlns:p14="http://schemas.microsoft.com/office/powerpoint/2010/main" val="3079846570"/>
+      </p:ext>
+    </p:extLst>
+  </p:cSld>
+  <p:clrMapOvr>
+    <a:masterClrMapping/>
+  </p:clrMapOvr>
+</p:sld>
+</file>
+
+<file path=ppt/slides/slide18.xml><?xml version="1.0" encoding="utf-8"?>
+<p:sld xmlns:a="http://schemas.openxmlformats.org/drawingml/2006/main" xmlns:r="http://schemas.openxmlformats.org/officeDocument/2006/relationships" xmlns:p="http://schemas.openxmlformats.org/presentationml/2006/main">
+  <p:cSld>
+    <p:spTree>
+      <p:nvGrpSpPr>
+        <p:cNvPr id="1" name=""/>
+        <p:cNvGrpSpPr/>
+        <p:nvPr/>
+      </p:nvGrpSpPr>
+      <p:grpSpPr>
+        <a:xfrm>
+          <a:off x="0" y="0"/>
+          <a:ext cx="0" cy="0"/>
+          <a:chOff x="0" y="0"/>
+          <a:chExt cx="0" cy="0"/>
+        </a:xfrm>
+      </p:grpSpPr>
+      <p:sp>
+        <p:nvSpPr>
+          <p:cNvPr id="3" name="Title 2" hidden="1">
+            <a:extLst>
+              <a:ext uri="{FF2B5EF4-FFF2-40B4-BE49-F238E27FC236}">
+                <a16:creationId xmlns:a16="http://schemas.microsoft.com/office/drawing/2014/main" id="{28A3E57F-DE9A-45F6-BEF3-EF8EEA07E065}"/>
+              </a:ext>
+            </a:extLst>
+          </p:cNvPr>
+          <p:cNvSpPr>
+            <a:spLocks noGrp="1"/>
+          </p:cNvSpPr>
+          <p:nvPr>
+            <p:ph type="title"/>
+          </p:nvPr>
+        </p:nvSpPr>
+        <p:spPr>
+          <a:xfrm>
+            <a:off x="2802662" y="756357"/>
+            <a:ext cx="8187071" cy="1253066"/>
+          </a:xfrm>
+        </p:spPr>
+        <p:txBody>
+          <a:bodyPr/>
+          <a:lstStyle/>
+          <a:p>
+            <a:r>
+              <a:rPr lang="en-US" dirty="0"/>
+              <a:t>Slide Tite</a:t>
+            </a:r>
+          </a:p>
+        </p:txBody>
+      </p:sp>
+      <p:sp>
+        <p:nvSpPr>
+          <p:cNvPr id="6" name="TextBox 5">
+            <a:extLst>
+              <a:ext uri="{FF2B5EF4-FFF2-40B4-BE49-F238E27FC236}">
+                <a16:creationId xmlns:a16="http://schemas.microsoft.com/office/drawing/2014/main" id="{51CA1257-66A3-465A-A773-E2D1F421929F}"/>
+              </a:ext>
+            </a:extLst>
+          </p:cNvPr>
+          <p:cNvSpPr txBox="1"/>
+          <p:nvPr/>
+        </p:nvSpPr>
+        <p:spPr>
+          <a:xfrm>
+            <a:off x="4828457" y="2721114"/>
+            <a:ext cx="8487104" cy="707886"/>
+          </a:xfrm>
+          <a:prstGeom prst="rect">
+            <a:avLst/>
+          </a:prstGeom>
+          <a:noFill/>
+        </p:spPr>
+        <p:txBody>
+          <a:bodyPr wrap="square" rtlCol="0">
+            <a:spAutoFit/>
+          </a:bodyPr>
+          <a:lstStyle/>
+          <a:p>
+            <a:r>
+              <a:rPr lang="en-US" sz="4000" dirty="0">
+                <a:latin typeface="Bodoni MT" panose="02070603080606020203" pitchFamily="18" charset="0"/>
+              </a:rPr>
+              <a:t>Lets Go Champ!</a:t>
+            </a:r>
+          </a:p>
+        </p:txBody>
+      </p:sp>
+    </p:spTree>
+    <p:extLst>
+      <p:ext uri="{BB962C8B-B14F-4D97-AF65-F5344CB8AC3E}">
+        <p14:creationId xmlns:p14="http://schemas.microsoft.com/office/powerpoint/2010/main" val="1059349071"/>
       </p:ext>
     </p:extLst>
   </p:cSld>
@@ -14395,7 +13417,7 @@
         </p:spPr>
         <p:txBody>
           <a:bodyPr anchor="ctr">
-            <a:normAutofit fontScale="77500" lnSpcReduction="20000"/>
+            <a:normAutofit fontScale="92500" lnSpcReduction="10000"/>
           </a:bodyPr>
           <a:lstStyle/>
           <a:p>
@@ -14507,20 +13529,7 @@
                 <a:latin typeface="Times New Roman" panose="02020603050405020304" pitchFamily="18" charset="0"/>
                 <a:cs typeface="Times New Roman" panose="02020603050405020304" pitchFamily="18" charset="0"/>
               </a:rPr>
-              <a:t>: While &amp; For</a:t>
-            </a:r>
-          </a:p>
-          <a:p>
-            <a:pPr marL="514350" indent="-514350">
-              <a:buFont typeface="+mj-lt"/>
-              <a:buAutoNum type="arabicPeriod"/>
-            </a:pPr>
-            <a:r>
-              <a:rPr lang="en-US" sz="2800" dirty="0">
-                <a:latin typeface="Times New Roman" panose="02020603050405020304" pitchFamily="18" charset="0"/>
-                <a:cs typeface="Times New Roman" panose="02020603050405020304" pitchFamily="18" charset="0"/>
-              </a:rPr>
-              <a:t>Switch</a:t>
+              <a:t>: For</a:t>
             </a:r>
           </a:p>
           <a:p>
@@ -14534,30 +13543,6 @@
                 <a:cs typeface="Times New Roman" panose="02020603050405020304" pitchFamily="18" charset="0"/>
               </a:rPr>
               <a:t>Funktioner</a:t>
-            </a:r>
-            <a:endParaRPr lang="en-US" sz="2800" dirty="0">
-              <a:latin typeface="Times New Roman" panose="02020603050405020304" pitchFamily="18" charset="0"/>
-              <a:cs typeface="Times New Roman" panose="02020603050405020304" pitchFamily="18" charset="0"/>
-            </a:endParaRPr>
-          </a:p>
-          <a:p>
-            <a:pPr marL="514350" indent="-514350">
-              <a:buFont typeface="+mj-lt"/>
-              <a:buAutoNum type="arabicPeriod"/>
-            </a:pPr>
-            <a:r>
-              <a:rPr lang="en-US" sz="2800" dirty="0">
-                <a:latin typeface="Times New Roman" panose="02020603050405020304" pitchFamily="18" charset="0"/>
-                <a:cs typeface="Times New Roman" panose="02020603050405020304" pitchFamily="18" charset="0"/>
-              </a:rPr>
-              <a:t>Arrow-</a:t>
-            </a:r>
-            <a:r>
-              <a:rPr lang="en-US" sz="2800" dirty="0" err="1">
-                <a:latin typeface="Times New Roman" panose="02020603050405020304" pitchFamily="18" charset="0"/>
-                <a:cs typeface="Times New Roman" panose="02020603050405020304" pitchFamily="18" charset="0"/>
-              </a:rPr>
-              <a:t>funktioner</a:t>
             </a:r>
             <a:endParaRPr lang="en-US" sz="2800" dirty="0">
               <a:latin typeface="Times New Roman" panose="02020603050405020304" pitchFamily="18" charset="0"/>
@@ -14607,492 +13592,6 @@
     <p:extLst>
       <p:ext uri="{BB962C8B-B14F-4D97-AF65-F5344CB8AC3E}">
         <p14:creationId xmlns:p14="http://schemas.microsoft.com/office/powerpoint/2010/main" val="2257163368"/>
-      </p:ext>
-    </p:extLst>
-  </p:cSld>
-  <p:clrMapOvr>
-    <a:masterClrMapping/>
-  </p:clrMapOvr>
-</p:sld>
-</file>
-
-<file path=ppt/slides/slide20.xml><?xml version="1.0" encoding="utf-8"?>
-<p:sld xmlns:a="http://schemas.openxmlformats.org/drawingml/2006/main" xmlns:r="http://schemas.openxmlformats.org/officeDocument/2006/relationships" xmlns:p="http://schemas.openxmlformats.org/presentationml/2006/main">
-  <p:cSld>
-    <p:spTree>
-      <p:nvGrpSpPr>
-        <p:cNvPr id="1" name=""/>
-        <p:cNvGrpSpPr/>
-        <p:nvPr/>
-      </p:nvGrpSpPr>
-      <p:grpSpPr>
-        <a:xfrm>
-          <a:off x="0" y="0"/>
-          <a:ext cx="0" cy="0"/>
-          <a:chOff x="0" y="0"/>
-          <a:chExt cx="0" cy="0"/>
-        </a:xfrm>
-      </p:grpSpPr>
-      <p:sp>
-        <p:nvSpPr>
-          <p:cNvPr id="2" name="Title 1">
-            <a:extLst>
-              <a:ext uri="{FF2B5EF4-FFF2-40B4-BE49-F238E27FC236}">
-                <a16:creationId xmlns:a16="http://schemas.microsoft.com/office/drawing/2014/main" id="{8EDAE078-3CB3-4D1F-8E4E-75C6D5DA8D1A}"/>
-              </a:ext>
-            </a:extLst>
-          </p:cNvPr>
-          <p:cNvSpPr>
-            <a:spLocks noGrp="1"/>
-          </p:cNvSpPr>
-          <p:nvPr>
-            <p:ph type="title"/>
-          </p:nvPr>
-        </p:nvSpPr>
-        <p:spPr>
-          <a:xfrm>
-            <a:off x="1203434" y="83247"/>
-            <a:ext cx="10893973" cy="596023"/>
-          </a:xfrm>
-        </p:spPr>
-        <p:txBody>
-          <a:bodyPr>
-            <a:normAutofit fontScale="90000"/>
-          </a:bodyPr>
-          <a:lstStyle/>
-          <a:p>
-            <a:r>
-              <a:rPr lang="en-US" sz="4000" dirty="0" err="1">
-                <a:latin typeface="Bodoni MT" panose="02070603080606020203" pitchFamily="18" charset="0"/>
-              </a:rPr>
-              <a:t>Metoder</a:t>
-            </a:r>
-            <a:r>
-              <a:rPr lang="en-US" sz="4000" dirty="0">
-                <a:latin typeface="Bodoni MT" panose="02070603080606020203" pitchFamily="18" charset="0"/>
-              </a:rPr>
-              <a:t> </a:t>
-            </a:r>
-            <a:r>
-              <a:rPr lang="en-US" sz="4000" dirty="0" err="1">
-                <a:latin typeface="Bodoni MT" panose="02070603080606020203" pitchFamily="18" charset="0"/>
-              </a:rPr>
-              <a:t>på</a:t>
-            </a:r>
-            <a:r>
-              <a:rPr lang="en-US" sz="4000" dirty="0">
-                <a:latin typeface="Bodoni MT" panose="02070603080606020203" pitchFamily="18" charset="0"/>
-              </a:rPr>
-              <a:t> Arrays (</a:t>
-            </a:r>
-            <a:r>
-              <a:rPr lang="en-US" sz="4000" dirty="0" err="1">
-                <a:latin typeface="Bodoni MT" panose="02070603080606020203" pitchFamily="18" charset="0"/>
-              </a:rPr>
-              <a:t>Listor</a:t>
-            </a:r>
-            <a:r>
-              <a:rPr lang="en-US" sz="4000" dirty="0">
-                <a:latin typeface="Bodoni MT" panose="02070603080606020203" pitchFamily="18" charset="0"/>
-              </a:rPr>
-              <a:t>)</a:t>
-            </a:r>
-          </a:p>
-        </p:txBody>
-      </p:sp>
-      <p:sp>
-        <p:nvSpPr>
-          <p:cNvPr id="5" name="Content Placeholder 4">
-            <a:extLst>
-              <a:ext uri="{FF2B5EF4-FFF2-40B4-BE49-F238E27FC236}">
-                <a16:creationId xmlns:a16="http://schemas.microsoft.com/office/drawing/2014/main" id="{BFC6430F-1FDE-4D8C-8C11-DD7124791905}"/>
-              </a:ext>
-            </a:extLst>
-          </p:cNvPr>
-          <p:cNvSpPr>
-            <a:spLocks noGrp="1"/>
-          </p:cNvSpPr>
-          <p:nvPr>
-            <p:ph idx="1"/>
-          </p:nvPr>
-        </p:nvSpPr>
-        <p:spPr>
-          <a:xfrm>
-            <a:off x="1203434" y="537332"/>
-            <a:ext cx="10178322" cy="5946119"/>
-          </a:xfrm>
-        </p:spPr>
-        <p:txBody>
-          <a:bodyPr>
-            <a:normAutofit/>
-          </a:bodyPr>
-          <a:lstStyle/>
-          <a:p>
-            <a:r>
-              <a:rPr lang="sv-SE" dirty="0"/>
-              <a:t>Metoder som arbetar med början av en </a:t>
-            </a:r>
-            <a:r>
-              <a:rPr lang="sv-SE" dirty="0" err="1"/>
-              <a:t>array</a:t>
-            </a:r>
-            <a:r>
-              <a:rPr lang="sv-SE" dirty="0"/>
-              <a:t>:</a:t>
-            </a:r>
-          </a:p>
-          <a:p>
-            <a:pPr lvl="1"/>
-            <a:r>
-              <a:rPr lang="sv-SE" dirty="0" err="1">
-                <a:solidFill>
-                  <a:schemeClr val="tx2">
-                    <a:lumMod val="75000"/>
-                    <a:lumOff val="25000"/>
-                  </a:schemeClr>
-                </a:solidFill>
-              </a:rPr>
-              <a:t>shift</a:t>
-            </a:r>
-            <a:r>
-              <a:rPr lang="sv-SE" dirty="0">
-                <a:solidFill>
-                  <a:schemeClr val="tx2">
-                    <a:lumMod val="75000"/>
-                    <a:lumOff val="25000"/>
-                  </a:schemeClr>
-                </a:solidFill>
-              </a:rPr>
-              <a:t>()</a:t>
-            </a:r>
-            <a:r>
-              <a:rPr lang="sv-SE" dirty="0"/>
-              <a:t> tar bort det första elementet i </a:t>
-            </a:r>
-            <a:r>
-              <a:rPr lang="sv-SE" dirty="0" err="1"/>
-              <a:t>arrayen</a:t>
-            </a:r>
-            <a:r>
-              <a:rPr lang="sv-SE" dirty="0"/>
-              <a:t>/listan och returnerar det:</a:t>
-            </a:r>
-          </a:p>
-          <a:p>
-            <a:pPr lvl="1"/>
-            <a:endParaRPr lang="sv-SE" dirty="0"/>
-          </a:p>
-          <a:p>
-            <a:pPr lvl="1"/>
-            <a:endParaRPr lang="sv-SE" dirty="0"/>
-          </a:p>
-          <a:p>
-            <a:pPr marL="457200" lvl="1" indent="0">
-              <a:buNone/>
-            </a:pPr>
-            <a:endParaRPr lang="sv-SE" dirty="0"/>
-          </a:p>
-          <a:p>
-            <a:pPr lvl="1"/>
-            <a:endParaRPr lang="sv-SE" dirty="0"/>
-          </a:p>
-          <a:p>
-            <a:pPr lvl="1"/>
-            <a:r>
-              <a:rPr lang="sv-SE" dirty="0" err="1">
-                <a:solidFill>
-                  <a:schemeClr val="tx2">
-                    <a:lumMod val="75000"/>
-                    <a:lumOff val="25000"/>
-                  </a:schemeClr>
-                </a:solidFill>
-              </a:rPr>
-              <a:t>unshift</a:t>
-            </a:r>
-            <a:r>
-              <a:rPr lang="sv-SE" dirty="0">
-                <a:solidFill>
-                  <a:schemeClr val="tx2">
-                    <a:lumMod val="75000"/>
-                    <a:lumOff val="25000"/>
-                  </a:schemeClr>
-                </a:solidFill>
-              </a:rPr>
-              <a:t>()</a:t>
-            </a:r>
-            <a:r>
-              <a:rPr lang="sv-SE" dirty="0"/>
-              <a:t> lägg till elementet i början av </a:t>
-            </a:r>
-            <a:r>
-              <a:rPr lang="sv-SE" dirty="0" err="1"/>
-              <a:t>arrayen</a:t>
-            </a:r>
-            <a:r>
-              <a:rPr lang="sv-SE" dirty="0"/>
-              <a:t>:</a:t>
-            </a:r>
-          </a:p>
-          <a:p>
-            <a:pPr lvl="1"/>
-            <a:endParaRPr lang="sv-SE" dirty="0"/>
-          </a:p>
-          <a:p>
-            <a:pPr lvl="1"/>
-            <a:endParaRPr lang="sv-SE" dirty="0"/>
-          </a:p>
-          <a:p>
-            <a:pPr lvl="1"/>
-            <a:endParaRPr lang="sv-SE" dirty="0"/>
-          </a:p>
-          <a:p>
-            <a:pPr lvl="1"/>
-            <a:endParaRPr lang="sv-SE" dirty="0"/>
-          </a:p>
-          <a:p>
-            <a:pPr lvl="1"/>
-            <a:r>
-              <a:rPr lang="sv-SE" dirty="0"/>
-              <a:t>Metoderna </a:t>
-            </a:r>
-            <a:r>
-              <a:rPr lang="sv-SE" dirty="0">
-                <a:solidFill>
-                  <a:schemeClr val="tx2">
-                    <a:lumMod val="75000"/>
-                    <a:lumOff val="25000"/>
-                  </a:schemeClr>
-                </a:solidFill>
-              </a:rPr>
-              <a:t>push() </a:t>
-            </a:r>
-            <a:r>
-              <a:rPr lang="sv-SE" dirty="0"/>
-              <a:t>och </a:t>
-            </a:r>
-            <a:r>
-              <a:rPr lang="sv-SE" dirty="0" err="1">
-                <a:solidFill>
-                  <a:schemeClr val="tx2">
-                    <a:lumMod val="75000"/>
-                    <a:lumOff val="25000"/>
-                  </a:schemeClr>
-                </a:solidFill>
-              </a:rPr>
-              <a:t>unshift</a:t>
-            </a:r>
-            <a:r>
-              <a:rPr lang="sv-SE" dirty="0">
-                <a:solidFill>
-                  <a:schemeClr val="tx2">
-                    <a:lumMod val="75000"/>
-                    <a:lumOff val="25000"/>
-                  </a:schemeClr>
-                </a:solidFill>
-              </a:rPr>
-              <a:t>()</a:t>
-            </a:r>
-            <a:r>
-              <a:rPr lang="sv-SE" dirty="0"/>
-              <a:t> kan lägga till flera element samtidigt:</a:t>
-            </a:r>
-          </a:p>
-        </p:txBody>
-      </p:sp>
-      <p:pic>
-        <p:nvPicPr>
-          <p:cNvPr id="9" name="Picture 8">
-            <a:extLst>
-              <a:ext uri="{FF2B5EF4-FFF2-40B4-BE49-F238E27FC236}">
-                <a16:creationId xmlns:a16="http://schemas.microsoft.com/office/drawing/2014/main" id="{AF802F90-C4FB-4521-BBBF-4B57B1F80AF7}"/>
-              </a:ext>
-            </a:extLst>
-          </p:cNvPr>
-          <p:cNvPicPr>
-            <a:picLocks noChangeAspect="1"/>
-          </p:cNvPicPr>
-          <p:nvPr/>
-        </p:nvPicPr>
-        <p:blipFill>
-          <a:blip r:embed="rId3"/>
-          <a:stretch>
-            <a:fillRect/>
-          </a:stretch>
-        </p:blipFill>
-        <p:spPr>
-          <a:xfrm>
-            <a:off x="1979516" y="1532856"/>
-            <a:ext cx="4857750" cy="1123950"/>
-          </a:xfrm>
-          <a:prstGeom prst="rect">
-            <a:avLst/>
-          </a:prstGeom>
-        </p:spPr>
-      </p:pic>
-      <p:pic>
-        <p:nvPicPr>
-          <p:cNvPr id="3" name="Picture 2">
-            <a:extLst>
-              <a:ext uri="{FF2B5EF4-FFF2-40B4-BE49-F238E27FC236}">
-                <a16:creationId xmlns:a16="http://schemas.microsoft.com/office/drawing/2014/main" id="{3859A29C-F19B-414D-B6F1-7D945135ADC2}"/>
-              </a:ext>
-            </a:extLst>
-          </p:cNvPr>
-          <p:cNvPicPr>
-            <a:picLocks noChangeAspect="1"/>
-          </p:cNvPicPr>
-          <p:nvPr/>
-        </p:nvPicPr>
-        <p:blipFill>
-          <a:blip r:embed="rId4"/>
-          <a:stretch>
-            <a:fillRect/>
-          </a:stretch>
-        </p:blipFill>
-        <p:spPr>
-          <a:xfrm>
-            <a:off x="1979516" y="3510392"/>
-            <a:ext cx="4476750" cy="1162050"/>
-          </a:xfrm>
-          <a:prstGeom prst="rect">
-            <a:avLst/>
-          </a:prstGeom>
-        </p:spPr>
-      </p:pic>
-      <p:pic>
-        <p:nvPicPr>
-          <p:cNvPr id="4" name="Picture 3">
-            <a:extLst>
-              <a:ext uri="{FF2B5EF4-FFF2-40B4-BE49-F238E27FC236}">
-                <a16:creationId xmlns:a16="http://schemas.microsoft.com/office/drawing/2014/main" id="{372E54F7-012A-4D9D-9A30-173F925E5A7B}"/>
-              </a:ext>
-            </a:extLst>
-          </p:cNvPr>
-          <p:cNvPicPr>
-            <a:picLocks noChangeAspect="1"/>
-          </p:cNvPicPr>
-          <p:nvPr/>
-        </p:nvPicPr>
-        <p:blipFill>
-          <a:blip r:embed="rId5"/>
-          <a:stretch>
-            <a:fillRect/>
-          </a:stretch>
-        </p:blipFill>
-        <p:spPr>
-          <a:xfrm>
-            <a:off x="1962758" y="5276850"/>
-            <a:ext cx="5743575" cy="1581150"/>
-          </a:xfrm>
-          <a:prstGeom prst="rect">
-            <a:avLst/>
-          </a:prstGeom>
-        </p:spPr>
-      </p:pic>
-    </p:spTree>
-    <p:extLst>
-      <p:ext uri="{BB962C8B-B14F-4D97-AF65-F5344CB8AC3E}">
-        <p14:creationId xmlns:p14="http://schemas.microsoft.com/office/powerpoint/2010/main" val="3079846570"/>
-      </p:ext>
-    </p:extLst>
-  </p:cSld>
-  <p:clrMapOvr>
-    <a:masterClrMapping/>
-  </p:clrMapOvr>
-</p:sld>
-</file>
-
-<file path=ppt/slides/slide21.xml><?xml version="1.0" encoding="utf-8"?>
-<p:sld xmlns:a="http://schemas.openxmlformats.org/drawingml/2006/main" xmlns:r="http://schemas.openxmlformats.org/officeDocument/2006/relationships" xmlns:p="http://schemas.openxmlformats.org/presentationml/2006/main">
-  <p:cSld>
-    <p:spTree>
-      <p:nvGrpSpPr>
-        <p:cNvPr id="1" name=""/>
-        <p:cNvGrpSpPr/>
-        <p:nvPr/>
-      </p:nvGrpSpPr>
-      <p:grpSpPr>
-        <a:xfrm>
-          <a:off x="0" y="0"/>
-          <a:ext cx="0" cy="0"/>
-          <a:chOff x="0" y="0"/>
-          <a:chExt cx="0" cy="0"/>
-        </a:xfrm>
-      </p:grpSpPr>
-      <p:sp>
-        <p:nvSpPr>
-          <p:cNvPr id="3" name="Title 2" hidden="1">
-            <a:extLst>
-              <a:ext uri="{FF2B5EF4-FFF2-40B4-BE49-F238E27FC236}">
-                <a16:creationId xmlns:a16="http://schemas.microsoft.com/office/drawing/2014/main" id="{28A3E57F-DE9A-45F6-BEF3-EF8EEA07E065}"/>
-              </a:ext>
-            </a:extLst>
-          </p:cNvPr>
-          <p:cNvSpPr>
-            <a:spLocks noGrp="1"/>
-          </p:cNvSpPr>
-          <p:nvPr>
-            <p:ph type="title"/>
-          </p:nvPr>
-        </p:nvSpPr>
-        <p:spPr>
-          <a:xfrm>
-            <a:off x="2802662" y="756357"/>
-            <a:ext cx="8187071" cy="1253066"/>
-          </a:xfrm>
-        </p:spPr>
-        <p:txBody>
-          <a:bodyPr/>
-          <a:lstStyle/>
-          <a:p>
-            <a:r>
-              <a:rPr lang="en-US" dirty="0"/>
-              <a:t>Slide Tite</a:t>
-            </a:r>
-          </a:p>
-        </p:txBody>
-      </p:sp>
-      <p:sp>
-        <p:nvSpPr>
-          <p:cNvPr id="6" name="TextBox 5">
-            <a:extLst>
-              <a:ext uri="{FF2B5EF4-FFF2-40B4-BE49-F238E27FC236}">
-                <a16:creationId xmlns:a16="http://schemas.microsoft.com/office/drawing/2014/main" id="{51CA1257-66A3-465A-A773-E2D1F421929F}"/>
-              </a:ext>
-            </a:extLst>
-          </p:cNvPr>
-          <p:cNvSpPr txBox="1"/>
-          <p:nvPr/>
-        </p:nvSpPr>
-        <p:spPr>
-          <a:xfrm>
-            <a:off x="4828457" y="2721114"/>
-            <a:ext cx="8487104" cy="707886"/>
-          </a:xfrm>
-          <a:prstGeom prst="rect">
-            <a:avLst/>
-          </a:prstGeom>
-          <a:noFill/>
-        </p:spPr>
-        <p:txBody>
-          <a:bodyPr wrap="square" rtlCol="0">
-            <a:spAutoFit/>
-          </a:bodyPr>
-          <a:lstStyle/>
-          <a:p>
-            <a:r>
-              <a:rPr lang="en-US" sz="4000" dirty="0">
-                <a:latin typeface="Bodoni MT" panose="02070603080606020203" pitchFamily="18" charset="0"/>
-              </a:rPr>
-              <a:t>Lets Go Champ!</a:t>
-            </a:r>
-          </a:p>
-        </p:txBody>
-      </p:sp>
-    </p:spTree>
-    <p:extLst>
-      <p:ext uri="{BB962C8B-B14F-4D97-AF65-F5344CB8AC3E}">
-        <p14:creationId xmlns:p14="http://schemas.microsoft.com/office/powerpoint/2010/main" val="1059349071"/>
       </p:ext>
     </p:extLst>
   </p:cSld>
@@ -18746,6 +17245,12 @@
 </file>
 
 <file path=customXml/item1.xml><?xml version="1.0" encoding="utf-8"?>
+<p:properties xmlns:p="http://schemas.microsoft.com/office/2006/metadata/properties" xmlns:xsi="http://www.w3.org/2001/XMLSchema-instance" xmlns:pc="http://schemas.microsoft.com/office/infopath/2007/PartnerControls">
+  <documentManagement/>
+</p:properties>
+</file>
+
+<file path=customXml/item2.xml><?xml version="1.0" encoding="utf-8"?>
 <ct:contentTypeSchema xmlns:ct="http://schemas.microsoft.com/office/2006/metadata/contentType" xmlns:ma="http://schemas.microsoft.com/office/2006/metadata/properties/metaAttributes" ct:_="" ma:_="" ma:contentTypeName="dokument" ma:contentTypeID="0x010100D0FF52724AC48D47B010AA362D489A4D" ma:contentTypeVersion="0" ma:contentTypeDescription="Skapa ett nytt dokument." ma:contentTypeScope="" ma:versionID="fbd70824283940ea0b15ba881b9ff887">
   <xsd:schema xmlns:xsd="http://www.w3.org/2001/XMLSchema" xmlns:xs="http://www.w3.org/2001/XMLSchema" xmlns:p="http://schemas.microsoft.com/office/2006/metadata/properties" targetNamespace="http://schemas.microsoft.com/office/2006/metadata/properties" ma:root="true" ma:fieldsID="4a658d11712873d45d049e4e4d5765df">
     <xsd:element name="properties">
@@ -18859,12 +17364,6 @@
 </ct:contentTypeSchema>
 </file>
 
-<file path=customXml/item2.xml><?xml version="1.0" encoding="utf-8"?>
-<p:properties xmlns:p="http://schemas.microsoft.com/office/2006/metadata/properties" xmlns:xsi="http://www.w3.org/2001/XMLSchema-instance" xmlns:pc="http://schemas.microsoft.com/office/infopath/2007/PartnerControls">
-  <documentManagement/>
-</p:properties>
-</file>
-
 <file path=customXml/item3.xml><?xml version="1.0" encoding="utf-8"?>
 <?mso-contentType ?>
 <FormTemplates xmlns="http://schemas.microsoft.com/sharepoint/v3/contenttype/forms">
@@ -18875,6 +17374,21 @@
 </file>
 
 <file path=customXml/itemProps1.xml><?xml version="1.0" encoding="utf-8"?>
+<ds:datastoreItem xmlns:ds="http://schemas.openxmlformats.org/officeDocument/2006/customXml" ds:itemID="{BDB3E54F-9BB9-4821-81E3-A4EFEC7BD0AD}">
+  <ds:schemaRefs>
+    <ds:schemaRef ds:uri="http://purl.org/dc/elements/1.1/"/>
+    <ds:schemaRef ds:uri="http://purl.org/dc/dcmitype/"/>
+    <ds:schemaRef ds:uri="http://www.w3.org/XML/1998/namespace"/>
+    <ds:schemaRef ds:uri="http://schemas.microsoft.com/office/2006/metadata/properties"/>
+    <ds:schemaRef ds:uri="http://schemas.microsoft.com/office/2006/documentManagement/types"/>
+    <ds:schemaRef ds:uri="http://purl.org/dc/terms/"/>
+    <ds:schemaRef ds:uri="http://schemas.microsoft.com/office/infopath/2007/PartnerControls"/>
+    <ds:schemaRef ds:uri="http://schemas.openxmlformats.org/package/2006/metadata/core-properties"/>
+  </ds:schemaRefs>
+</ds:datastoreItem>
+</file>
+
+<file path=customXml/itemProps2.xml><?xml version="1.0" encoding="utf-8"?>
 <ds:datastoreItem xmlns:ds="http://schemas.openxmlformats.org/officeDocument/2006/customXml" ds:itemID="{960489F5-0CD1-4209-9233-965B9732F0E5}">
   <ds:schemaRefs>
     <ds:schemaRef ds:uri="http://schemas.microsoft.com/office/2006/metadata/contentType"/>
@@ -18890,21 +17404,6 @@
 </ds:datastoreItem>
 </file>
 
-<file path=customXml/itemProps2.xml><?xml version="1.0" encoding="utf-8"?>
-<ds:datastoreItem xmlns:ds="http://schemas.openxmlformats.org/officeDocument/2006/customXml" ds:itemID="{BDB3E54F-9BB9-4821-81E3-A4EFEC7BD0AD}">
-  <ds:schemaRefs>
-    <ds:schemaRef ds:uri="http://purl.org/dc/elements/1.1/"/>
-    <ds:schemaRef ds:uri="http://purl.org/dc/dcmitype/"/>
-    <ds:schemaRef ds:uri="http://www.w3.org/XML/1998/namespace"/>
-    <ds:schemaRef ds:uri="http://schemas.microsoft.com/office/2006/metadata/properties"/>
-    <ds:schemaRef ds:uri="http://schemas.microsoft.com/office/2006/documentManagement/types"/>
-    <ds:schemaRef ds:uri="http://purl.org/dc/terms/"/>
-    <ds:schemaRef ds:uri="http://schemas.microsoft.com/office/infopath/2007/PartnerControls"/>
-    <ds:schemaRef ds:uri="http://schemas.openxmlformats.org/package/2006/metadata/core-properties"/>
-  </ds:schemaRefs>
-</ds:datastoreItem>
-</file>
-
 <file path=customXml/itemProps3.xml><?xml version="1.0" encoding="utf-8"?>
 <ds:datastoreItem xmlns:ds="http://schemas.openxmlformats.org/officeDocument/2006/customXml" ds:itemID="{52D0167F-E486-4F9B-83E2-993954E11F03}">
   <ds:schemaRefs>
